--- a/trunk/Diabetes/Documents/Report/Bao cao khoa luan.pptx
+++ b/trunk/Diabetes/Documents/Report/Bao cao khoa luan.pptx
@@ -5,7 +5,7 @@
     <p:sldMasterId id="2147483660" r:id="rId1"/>
   </p:sldMasterIdLst>
   <p:notesMasterIdLst>
-    <p:notesMasterId r:id="rId30"/>
+    <p:notesMasterId r:id="rId28"/>
   </p:notesMasterIdLst>
   <p:sldIdLst>
     <p:sldId id="256" r:id="rId2"/>
@@ -30,12 +30,10 @@
     <p:sldId id="279" r:id="rId21"/>
     <p:sldId id="280" r:id="rId22"/>
     <p:sldId id="281" r:id="rId23"/>
-    <p:sldId id="282" r:id="rId24"/>
-    <p:sldId id="283" r:id="rId25"/>
-    <p:sldId id="284" r:id="rId26"/>
-    <p:sldId id="285" r:id="rId27"/>
-    <p:sldId id="286" r:id="rId28"/>
-    <p:sldId id="287" r:id="rId29"/>
+    <p:sldId id="284" r:id="rId24"/>
+    <p:sldId id="285" r:id="rId25"/>
+    <p:sldId id="286" r:id="rId26"/>
+    <p:sldId id="287" r:id="rId27"/>
   </p:sldIdLst>
   <p:sldSz cx="9144000" cy="6858000" type="screen4x3"/>
   <p:notesSz cx="6858000" cy="9144000"/>
@@ -220,7 +218,7 @@
             <a:fld id="{938E69AE-B1B0-4E50-B824-52A5C6306F6E}" type="datetimeFigureOut">
               <a:rPr lang="en-US" smtClean="0"/>
               <a:pPr/>
-              <a:t>06/03/2013</a:t>
+              <a:t>08/03/2013</a:t>
             </a:fld>
             <a:endParaRPr lang="en-US"/>
           </a:p>
@@ -391,7 +389,7 @@
     </p:spTree>
     <p:extLst>
       <p:ext uri="{BB962C8B-B14F-4D97-AF65-F5344CB8AC3E}">
-        <p14:creationId xmlns:p14="http://schemas.microsoft.com/office/powerpoint/2010/main" xmlns="" val="943779488"/>
+        <p14:creationId xmlns="" xmlns:p14="http://schemas.microsoft.com/office/powerpoint/2010/main" val="943779488"/>
       </p:ext>
     </p:extLst>
   </p:cSld>
@@ -8457,1516 +8455,23 @@
           </a:bodyPr>
           <a:lstStyle/>
           <a:p>
-            <a:pPr lvl="0"/>
-            <a:r>
-              <a:rPr lang="en-US" sz="1200" kern="1200" dirty="0" smtClean="0">
-                <a:solidFill>
-                  <a:schemeClr val="tx1"/>
-                </a:solidFill>
-                <a:latin typeface="+mn-lt"/>
-                <a:ea typeface="+mn-ea"/>
-                <a:cs typeface="+mn-cs"/>
-              </a:rPr>
-              <a:t>- Thu </a:t>
-            </a:r>
-            <a:r>
-              <a:rPr lang="en-US" sz="1200" kern="1200" dirty="0" err="1" smtClean="0">
-                <a:solidFill>
-                  <a:schemeClr val="tx1"/>
-                </a:solidFill>
-                <a:latin typeface="+mn-lt"/>
-                <a:ea typeface="+mn-ea"/>
-                <a:cs typeface="+mn-cs"/>
-              </a:rPr>
-              <a:t>được</a:t>
-            </a:r>
-            <a:r>
-              <a:rPr lang="en-US" sz="1200" kern="1200" dirty="0" smtClean="0">
-                <a:solidFill>
-                  <a:schemeClr val="tx1"/>
-                </a:solidFill>
-                <a:latin typeface="+mn-lt"/>
-                <a:ea typeface="+mn-ea"/>
-                <a:cs typeface="+mn-cs"/>
-              </a:rPr>
-              <a:t> </a:t>
-            </a:r>
-            <a:r>
-              <a:rPr lang="en-US" sz="1200" kern="1200" dirty="0" err="1" smtClean="0">
-                <a:solidFill>
-                  <a:schemeClr val="tx1"/>
-                </a:solidFill>
-                <a:latin typeface="+mn-lt"/>
-                <a:ea typeface="+mn-ea"/>
-                <a:cs typeface="+mn-cs"/>
-              </a:rPr>
-              <a:t>kết</a:t>
-            </a:r>
-            <a:r>
-              <a:rPr lang="en-US" sz="1200" kern="1200" dirty="0" smtClean="0">
-                <a:solidFill>
-                  <a:schemeClr val="tx1"/>
-                </a:solidFill>
-                <a:latin typeface="+mn-lt"/>
-                <a:ea typeface="+mn-ea"/>
-                <a:cs typeface="+mn-cs"/>
-              </a:rPr>
-              <a:t> </a:t>
-            </a:r>
-            <a:r>
-              <a:rPr lang="en-US" sz="1200" kern="1200" dirty="0" err="1" smtClean="0">
-                <a:solidFill>
-                  <a:schemeClr val="tx1"/>
-                </a:solidFill>
-                <a:latin typeface="+mn-lt"/>
-                <a:ea typeface="+mn-ea"/>
-                <a:cs typeface="+mn-cs"/>
-              </a:rPr>
-              <a:t>quả</a:t>
-            </a:r>
-            <a:r>
-              <a:rPr lang="en-US" sz="1200" kern="1200" dirty="0" smtClean="0">
-                <a:solidFill>
-                  <a:schemeClr val="tx1"/>
-                </a:solidFill>
-                <a:latin typeface="+mn-lt"/>
-                <a:ea typeface="+mn-ea"/>
-                <a:cs typeface="+mn-cs"/>
-              </a:rPr>
-              <a:t> </a:t>
-            </a:r>
-            <a:r>
-              <a:rPr lang="en-US" sz="1200" kern="1200" dirty="0" err="1" smtClean="0">
-                <a:solidFill>
-                  <a:schemeClr val="tx1"/>
-                </a:solidFill>
-                <a:latin typeface="+mn-lt"/>
-                <a:ea typeface="+mn-ea"/>
-                <a:cs typeface="+mn-cs"/>
-              </a:rPr>
-              <a:t>không</a:t>
-            </a:r>
-            <a:r>
-              <a:rPr lang="en-US" sz="1200" kern="1200" dirty="0" smtClean="0">
-                <a:solidFill>
-                  <a:schemeClr val="tx1"/>
-                </a:solidFill>
-                <a:latin typeface="+mn-lt"/>
-                <a:ea typeface="+mn-ea"/>
-                <a:cs typeface="+mn-cs"/>
-              </a:rPr>
-              <a:t> </a:t>
-            </a:r>
-            <a:r>
-              <a:rPr lang="en-US" sz="1200" kern="1200" dirty="0" err="1" smtClean="0">
-                <a:solidFill>
-                  <a:schemeClr val="tx1"/>
-                </a:solidFill>
-                <a:latin typeface="+mn-lt"/>
-                <a:ea typeface="+mn-ea"/>
-                <a:cs typeface="+mn-cs"/>
-              </a:rPr>
-              <a:t>mong</a:t>
-            </a:r>
-            <a:r>
-              <a:rPr lang="en-US" sz="1200" kern="1200" dirty="0" smtClean="0">
-                <a:solidFill>
-                  <a:schemeClr val="tx1"/>
-                </a:solidFill>
-                <a:latin typeface="+mn-lt"/>
-                <a:ea typeface="+mn-ea"/>
-                <a:cs typeface="+mn-cs"/>
-              </a:rPr>
-              <a:t> </a:t>
-            </a:r>
-            <a:r>
-              <a:rPr lang="en-US" sz="1200" kern="1200" dirty="0" err="1" smtClean="0">
-                <a:solidFill>
-                  <a:schemeClr val="tx1"/>
-                </a:solidFill>
-                <a:latin typeface="+mn-lt"/>
-                <a:ea typeface="+mn-ea"/>
-                <a:cs typeface="+mn-cs"/>
-              </a:rPr>
-              <a:t>muốn</a:t>
-            </a:r>
-            <a:r>
-              <a:rPr lang="en-US" sz="1200" kern="1200" dirty="0" smtClean="0">
-                <a:solidFill>
-                  <a:schemeClr val="tx1"/>
-                </a:solidFill>
-                <a:latin typeface="+mn-lt"/>
-                <a:ea typeface="+mn-ea"/>
-                <a:cs typeface="+mn-cs"/>
-              </a:rPr>
-              <a:t> </a:t>
-            </a:r>
-            <a:r>
-              <a:rPr lang="en-US" sz="1200" kern="1200" dirty="0" err="1" smtClean="0">
-                <a:solidFill>
-                  <a:schemeClr val="tx1"/>
-                </a:solidFill>
-                <a:latin typeface="+mn-lt"/>
-                <a:ea typeface="+mn-ea"/>
-                <a:cs typeface="+mn-cs"/>
-              </a:rPr>
-              <a:t>như</a:t>
-            </a:r>
-            <a:r>
-              <a:rPr lang="en-US" sz="1200" kern="1200" dirty="0" smtClean="0">
-                <a:solidFill>
-                  <a:schemeClr val="tx1"/>
-                </a:solidFill>
-                <a:latin typeface="+mn-lt"/>
-                <a:ea typeface="+mn-ea"/>
-                <a:cs typeface="+mn-cs"/>
-              </a:rPr>
-              <a:t> </a:t>
-            </a:r>
-            <a:r>
-              <a:rPr lang="en-US" sz="1200" kern="1200" dirty="0" err="1" smtClean="0">
-                <a:solidFill>
-                  <a:schemeClr val="tx1"/>
-                </a:solidFill>
-                <a:latin typeface="+mn-lt"/>
-                <a:ea typeface="+mn-ea"/>
-                <a:cs typeface="+mn-cs"/>
-              </a:rPr>
-              <a:t>trên</a:t>
-            </a:r>
-            <a:r>
-              <a:rPr lang="en-US" sz="1200" kern="1200" dirty="0" smtClean="0">
-                <a:solidFill>
-                  <a:schemeClr val="tx1"/>
-                </a:solidFill>
-                <a:latin typeface="+mn-lt"/>
-                <a:ea typeface="+mn-ea"/>
-                <a:cs typeface="+mn-cs"/>
-              </a:rPr>
-              <a:t> </a:t>
-            </a:r>
-            <a:r>
-              <a:rPr lang="en-US" sz="1200" kern="1200" dirty="0" err="1" smtClean="0">
-                <a:solidFill>
-                  <a:schemeClr val="tx1"/>
-                </a:solidFill>
-                <a:latin typeface="+mn-lt"/>
-                <a:ea typeface="+mn-ea"/>
-                <a:cs typeface="+mn-cs"/>
-              </a:rPr>
-              <a:t>là</a:t>
-            </a:r>
-            <a:r>
-              <a:rPr lang="en-US" sz="1200" kern="1200" dirty="0" smtClean="0">
-                <a:solidFill>
-                  <a:schemeClr val="tx1"/>
-                </a:solidFill>
-                <a:latin typeface="+mn-lt"/>
-                <a:ea typeface="+mn-ea"/>
-                <a:cs typeface="+mn-cs"/>
-              </a:rPr>
-              <a:t> </a:t>
-            </a:r>
-            <a:r>
-              <a:rPr lang="en-US" sz="1200" kern="1200" dirty="0" err="1" smtClean="0">
-                <a:solidFill>
-                  <a:schemeClr val="tx1"/>
-                </a:solidFill>
-                <a:latin typeface="+mn-lt"/>
-                <a:ea typeface="+mn-ea"/>
-                <a:cs typeface="+mn-cs"/>
-              </a:rPr>
-              <a:t>một</a:t>
-            </a:r>
-            <a:r>
-              <a:rPr lang="en-US" sz="1200" kern="1200" dirty="0" smtClean="0">
-                <a:solidFill>
-                  <a:schemeClr val="tx1"/>
-                </a:solidFill>
-                <a:latin typeface="+mn-lt"/>
-                <a:ea typeface="+mn-ea"/>
-                <a:cs typeface="+mn-cs"/>
-              </a:rPr>
-              <a:t> </a:t>
-            </a:r>
-            <a:r>
-              <a:rPr lang="en-US" sz="1200" kern="1200" dirty="0" err="1" smtClean="0">
-                <a:solidFill>
-                  <a:schemeClr val="tx1"/>
-                </a:solidFill>
-                <a:latin typeface="+mn-lt"/>
-                <a:ea typeface="+mn-ea"/>
-                <a:cs typeface="+mn-cs"/>
-              </a:rPr>
-              <a:t>thiếu</a:t>
-            </a:r>
-            <a:r>
-              <a:rPr lang="en-US" sz="1200" kern="1200" dirty="0" smtClean="0">
-                <a:solidFill>
-                  <a:schemeClr val="tx1"/>
-                </a:solidFill>
-                <a:latin typeface="+mn-lt"/>
-                <a:ea typeface="+mn-ea"/>
-                <a:cs typeface="+mn-cs"/>
-              </a:rPr>
-              <a:t> </a:t>
-            </a:r>
-            <a:r>
-              <a:rPr lang="en-US" sz="1200" kern="1200" dirty="0" err="1" smtClean="0">
-                <a:solidFill>
-                  <a:schemeClr val="tx1"/>
-                </a:solidFill>
-                <a:latin typeface="+mn-lt"/>
-                <a:ea typeface="+mn-ea"/>
-                <a:cs typeface="+mn-cs"/>
-              </a:rPr>
-              <a:t>sót</a:t>
-            </a:r>
-            <a:r>
-              <a:rPr lang="en-US" sz="1200" kern="1200" dirty="0" smtClean="0">
-                <a:solidFill>
-                  <a:schemeClr val="tx1"/>
-                </a:solidFill>
-                <a:latin typeface="+mn-lt"/>
-                <a:ea typeface="+mn-ea"/>
-                <a:cs typeface="+mn-cs"/>
-              </a:rPr>
-              <a:t> </a:t>
-            </a:r>
-            <a:r>
-              <a:rPr lang="en-US" sz="1200" kern="1200" dirty="0" err="1" smtClean="0">
-                <a:solidFill>
-                  <a:schemeClr val="tx1"/>
-                </a:solidFill>
-                <a:latin typeface="+mn-lt"/>
-                <a:ea typeface="+mn-ea"/>
-                <a:cs typeface="+mn-cs"/>
-              </a:rPr>
-              <a:t>không</a:t>
-            </a:r>
-            <a:r>
-              <a:rPr lang="en-US" sz="1200" kern="1200" dirty="0" smtClean="0">
-                <a:solidFill>
-                  <a:schemeClr val="tx1"/>
-                </a:solidFill>
-                <a:latin typeface="+mn-lt"/>
-                <a:ea typeface="+mn-ea"/>
-                <a:cs typeface="+mn-cs"/>
-              </a:rPr>
-              <a:t> </a:t>
-            </a:r>
-            <a:r>
-              <a:rPr lang="en-US" sz="1200" kern="1200" dirty="0" err="1" smtClean="0">
-                <a:solidFill>
-                  <a:schemeClr val="tx1"/>
-                </a:solidFill>
-                <a:latin typeface="+mn-lt"/>
-                <a:ea typeface="+mn-ea"/>
-                <a:cs typeface="+mn-cs"/>
-              </a:rPr>
-              <a:t>đáng</a:t>
-            </a:r>
-            <a:r>
-              <a:rPr lang="en-US" sz="1200" kern="1200" dirty="0" smtClean="0">
-                <a:solidFill>
-                  <a:schemeClr val="tx1"/>
-                </a:solidFill>
-                <a:latin typeface="+mn-lt"/>
-                <a:ea typeface="+mn-ea"/>
-                <a:cs typeface="+mn-cs"/>
-              </a:rPr>
-              <a:t> </a:t>
-            </a:r>
-            <a:r>
-              <a:rPr lang="en-US" sz="1200" kern="1200" dirty="0" err="1" smtClean="0">
-                <a:solidFill>
-                  <a:schemeClr val="tx1"/>
-                </a:solidFill>
-                <a:latin typeface="+mn-lt"/>
-                <a:ea typeface="+mn-ea"/>
-                <a:cs typeface="+mn-cs"/>
-              </a:rPr>
-              <a:t>có</a:t>
-            </a:r>
-            <a:r>
-              <a:rPr lang="en-US" sz="1200" kern="1200" dirty="0" smtClean="0">
-                <a:solidFill>
-                  <a:schemeClr val="tx1"/>
-                </a:solidFill>
-                <a:latin typeface="+mn-lt"/>
-                <a:ea typeface="+mn-ea"/>
-                <a:cs typeface="+mn-cs"/>
-              </a:rPr>
-              <a:t> </a:t>
-            </a:r>
-            <a:r>
-              <a:rPr lang="en-US" sz="1200" kern="1200" dirty="0" err="1" smtClean="0">
-                <a:solidFill>
-                  <a:schemeClr val="tx1"/>
-                </a:solidFill>
-                <a:latin typeface="+mn-lt"/>
-                <a:ea typeface="+mn-ea"/>
-                <a:cs typeface="+mn-cs"/>
-              </a:rPr>
-              <a:t>trong</a:t>
-            </a:r>
-            <a:r>
-              <a:rPr lang="en-US" sz="1200" kern="1200" dirty="0" smtClean="0">
-                <a:solidFill>
-                  <a:schemeClr val="tx1"/>
-                </a:solidFill>
-                <a:latin typeface="+mn-lt"/>
-                <a:ea typeface="+mn-ea"/>
-                <a:cs typeface="+mn-cs"/>
-              </a:rPr>
-              <a:t> </a:t>
-            </a:r>
-            <a:r>
-              <a:rPr lang="en-US" sz="1200" kern="1200" dirty="0" err="1" smtClean="0">
-                <a:solidFill>
-                  <a:schemeClr val="tx1"/>
-                </a:solidFill>
-                <a:latin typeface="+mn-lt"/>
-                <a:ea typeface="+mn-ea"/>
-                <a:cs typeface="+mn-cs"/>
-              </a:rPr>
-              <a:t>quá</a:t>
-            </a:r>
-            <a:r>
-              <a:rPr lang="en-US" sz="1200" kern="1200" dirty="0" smtClean="0">
-                <a:solidFill>
-                  <a:schemeClr val="tx1"/>
-                </a:solidFill>
-                <a:latin typeface="+mn-lt"/>
-                <a:ea typeface="+mn-ea"/>
-                <a:cs typeface="+mn-cs"/>
-              </a:rPr>
-              <a:t> </a:t>
-            </a:r>
-            <a:r>
-              <a:rPr lang="en-US" sz="1200" kern="1200" dirty="0" err="1" smtClean="0">
-                <a:solidFill>
-                  <a:schemeClr val="tx1"/>
-                </a:solidFill>
-                <a:latin typeface="+mn-lt"/>
-                <a:ea typeface="+mn-ea"/>
-                <a:cs typeface="+mn-cs"/>
-              </a:rPr>
-              <a:t>trình</a:t>
-            </a:r>
-            <a:r>
-              <a:rPr lang="en-US" sz="1200" kern="1200" dirty="0" smtClean="0">
-                <a:solidFill>
-                  <a:schemeClr val="tx1"/>
-                </a:solidFill>
-                <a:latin typeface="+mn-lt"/>
-                <a:ea typeface="+mn-ea"/>
-                <a:cs typeface="+mn-cs"/>
-              </a:rPr>
-              <a:t> </a:t>
-            </a:r>
-            <a:r>
-              <a:rPr lang="en-US" sz="1200" kern="1200" dirty="0" err="1" smtClean="0">
-                <a:solidFill>
-                  <a:schemeClr val="tx1"/>
-                </a:solidFill>
-                <a:latin typeface="+mn-lt"/>
-                <a:ea typeface="+mn-ea"/>
-                <a:cs typeface="+mn-cs"/>
-              </a:rPr>
-              <a:t>thu</a:t>
-            </a:r>
-            <a:r>
-              <a:rPr lang="en-US" sz="1200" kern="1200" dirty="0" smtClean="0">
-                <a:solidFill>
-                  <a:schemeClr val="tx1"/>
-                </a:solidFill>
-                <a:latin typeface="+mn-lt"/>
-                <a:ea typeface="+mn-ea"/>
-                <a:cs typeface="+mn-cs"/>
-              </a:rPr>
-              <a:t> </a:t>
-            </a:r>
-            <a:r>
-              <a:rPr lang="en-US" sz="1200" kern="1200" dirty="0" err="1" smtClean="0">
-                <a:solidFill>
-                  <a:schemeClr val="tx1"/>
-                </a:solidFill>
-                <a:latin typeface="+mn-lt"/>
-                <a:ea typeface="+mn-ea"/>
-                <a:cs typeface="+mn-cs"/>
-              </a:rPr>
-              <a:t>thập</a:t>
-            </a:r>
-            <a:r>
-              <a:rPr lang="en-US" sz="1200" kern="1200" dirty="0" smtClean="0">
-                <a:solidFill>
-                  <a:schemeClr val="tx1"/>
-                </a:solidFill>
-                <a:latin typeface="+mn-lt"/>
-                <a:ea typeface="+mn-ea"/>
-                <a:cs typeface="+mn-cs"/>
-              </a:rPr>
-              <a:t> </a:t>
-            </a:r>
-            <a:r>
-              <a:rPr lang="en-US" sz="1200" kern="1200" dirty="0" err="1" smtClean="0">
-                <a:solidFill>
-                  <a:schemeClr val="tx1"/>
-                </a:solidFill>
-                <a:latin typeface="+mn-lt"/>
-                <a:ea typeface="+mn-ea"/>
-                <a:cs typeface="+mn-cs"/>
-              </a:rPr>
-              <a:t>dữ</a:t>
-            </a:r>
-            <a:r>
-              <a:rPr lang="en-US" sz="1200" kern="1200" dirty="0" smtClean="0">
-                <a:solidFill>
-                  <a:schemeClr val="tx1"/>
-                </a:solidFill>
-                <a:latin typeface="+mn-lt"/>
-                <a:ea typeface="+mn-ea"/>
-                <a:cs typeface="+mn-cs"/>
-              </a:rPr>
-              <a:t> </a:t>
-            </a:r>
-            <a:r>
-              <a:rPr lang="en-US" sz="1200" kern="1200" dirty="0" err="1" smtClean="0">
-                <a:solidFill>
-                  <a:schemeClr val="tx1"/>
-                </a:solidFill>
-                <a:latin typeface="+mn-lt"/>
-                <a:ea typeface="+mn-ea"/>
-                <a:cs typeface="+mn-cs"/>
-              </a:rPr>
-              <a:t>liệu</a:t>
-            </a:r>
-            <a:r>
-              <a:rPr lang="en-US" sz="1200" kern="1200" dirty="0" smtClean="0">
-                <a:solidFill>
-                  <a:schemeClr val="tx1"/>
-                </a:solidFill>
-                <a:latin typeface="+mn-lt"/>
-                <a:ea typeface="+mn-ea"/>
-                <a:cs typeface="+mn-cs"/>
-              </a:rPr>
-              <a:t>. </a:t>
-            </a:r>
-            <a:r>
-              <a:rPr lang="en-US" sz="1200" kern="1200" dirty="0" err="1" smtClean="0">
-                <a:solidFill>
-                  <a:schemeClr val="tx1"/>
-                </a:solidFill>
-                <a:latin typeface="+mn-lt"/>
-                <a:ea typeface="+mn-ea"/>
-                <a:cs typeface="+mn-cs"/>
-              </a:rPr>
-              <a:t>Độ</a:t>
-            </a:r>
-            <a:r>
-              <a:rPr lang="en-US" sz="1200" kern="1200" dirty="0" smtClean="0">
-                <a:solidFill>
-                  <a:schemeClr val="tx1"/>
-                </a:solidFill>
-                <a:latin typeface="+mn-lt"/>
-                <a:ea typeface="+mn-ea"/>
-                <a:cs typeface="+mn-cs"/>
-              </a:rPr>
-              <a:t> </a:t>
-            </a:r>
-            <a:r>
-              <a:rPr lang="en-US" sz="1200" kern="1200" dirty="0" err="1" smtClean="0">
-                <a:solidFill>
-                  <a:schemeClr val="tx1"/>
-                </a:solidFill>
-                <a:latin typeface="+mn-lt"/>
-                <a:ea typeface="+mn-ea"/>
-                <a:cs typeface="+mn-cs"/>
-              </a:rPr>
-              <a:t>chệnh</a:t>
-            </a:r>
-            <a:r>
-              <a:rPr lang="en-US" sz="1200" kern="1200" dirty="0" smtClean="0">
-                <a:solidFill>
-                  <a:schemeClr val="tx1"/>
-                </a:solidFill>
-                <a:latin typeface="+mn-lt"/>
-                <a:ea typeface="+mn-ea"/>
-                <a:cs typeface="+mn-cs"/>
-              </a:rPr>
-              <a:t> </a:t>
-            </a:r>
-            <a:r>
-              <a:rPr lang="en-US" sz="1200" kern="1200" dirty="0" err="1" smtClean="0">
-                <a:solidFill>
-                  <a:schemeClr val="tx1"/>
-                </a:solidFill>
-                <a:latin typeface="+mn-lt"/>
-                <a:ea typeface="+mn-ea"/>
-                <a:cs typeface="+mn-cs"/>
-              </a:rPr>
-              <a:t>lệch</a:t>
-            </a:r>
-            <a:r>
-              <a:rPr lang="en-US" sz="1200" kern="1200" dirty="0" smtClean="0">
-                <a:solidFill>
-                  <a:schemeClr val="tx1"/>
-                </a:solidFill>
-                <a:latin typeface="+mn-lt"/>
-                <a:ea typeface="+mn-ea"/>
-                <a:cs typeface="+mn-cs"/>
-              </a:rPr>
-              <a:t> </a:t>
-            </a:r>
-            <a:r>
-              <a:rPr lang="en-US" sz="1200" kern="1200" dirty="0" err="1" smtClean="0">
-                <a:solidFill>
-                  <a:schemeClr val="tx1"/>
-                </a:solidFill>
-                <a:latin typeface="+mn-lt"/>
-                <a:ea typeface="+mn-ea"/>
-                <a:cs typeface="+mn-cs"/>
-              </a:rPr>
-              <a:t>giữa</a:t>
-            </a:r>
-            <a:r>
-              <a:rPr lang="en-US" sz="1200" kern="1200" dirty="0" smtClean="0">
-                <a:solidFill>
-                  <a:schemeClr val="tx1"/>
-                </a:solidFill>
-                <a:latin typeface="+mn-lt"/>
-                <a:ea typeface="+mn-ea"/>
-                <a:cs typeface="+mn-cs"/>
-              </a:rPr>
-              <a:t> 2 </a:t>
-            </a:r>
-            <a:r>
-              <a:rPr lang="en-US" sz="1200" kern="1200" dirty="0" err="1" smtClean="0">
-                <a:solidFill>
-                  <a:schemeClr val="tx1"/>
-                </a:solidFill>
-                <a:latin typeface="+mn-lt"/>
-                <a:ea typeface="+mn-ea"/>
-                <a:cs typeface="+mn-cs"/>
-              </a:rPr>
-              <a:t>phân</a:t>
-            </a:r>
-            <a:r>
-              <a:rPr lang="en-US" sz="1200" kern="1200" dirty="0" smtClean="0">
-                <a:solidFill>
-                  <a:schemeClr val="tx1"/>
-                </a:solidFill>
-                <a:latin typeface="+mn-lt"/>
-                <a:ea typeface="+mn-ea"/>
-                <a:cs typeface="+mn-cs"/>
-              </a:rPr>
-              <a:t> </a:t>
-            </a:r>
-            <a:r>
-              <a:rPr lang="en-US" sz="1200" kern="1200" dirty="0" err="1" smtClean="0">
-                <a:solidFill>
-                  <a:schemeClr val="tx1"/>
-                </a:solidFill>
-                <a:latin typeface="+mn-lt"/>
-                <a:ea typeface="+mn-ea"/>
-                <a:cs typeface="+mn-cs"/>
-              </a:rPr>
-              <a:t>lớp</a:t>
-            </a:r>
-            <a:r>
-              <a:rPr lang="en-US" sz="1200" kern="1200" dirty="0" smtClean="0">
-                <a:solidFill>
-                  <a:schemeClr val="tx1"/>
-                </a:solidFill>
-                <a:latin typeface="+mn-lt"/>
-                <a:ea typeface="+mn-ea"/>
-                <a:cs typeface="+mn-cs"/>
-              </a:rPr>
-              <a:t> </a:t>
-            </a:r>
-            <a:r>
-              <a:rPr lang="en-US" sz="1200" kern="1200" dirty="0" err="1" smtClean="0">
-                <a:solidFill>
-                  <a:schemeClr val="tx1"/>
-                </a:solidFill>
-                <a:latin typeface="+mn-lt"/>
-                <a:ea typeface="+mn-ea"/>
-                <a:cs typeface="+mn-cs"/>
-              </a:rPr>
-              <a:t>trong</a:t>
-            </a:r>
-            <a:r>
-              <a:rPr lang="en-US" sz="1200" kern="1200" dirty="0" smtClean="0">
-                <a:solidFill>
-                  <a:schemeClr val="tx1"/>
-                </a:solidFill>
-                <a:latin typeface="+mn-lt"/>
-                <a:ea typeface="+mn-ea"/>
-                <a:cs typeface="+mn-cs"/>
-              </a:rPr>
-              <a:t> </a:t>
-            </a:r>
-            <a:r>
-              <a:rPr lang="en-US" sz="1200" kern="1200" dirty="0" err="1" smtClean="0">
-                <a:solidFill>
-                  <a:schemeClr val="tx1"/>
-                </a:solidFill>
-                <a:latin typeface="+mn-lt"/>
-                <a:ea typeface="+mn-ea"/>
-                <a:cs typeface="+mn-cs"/>
-              </a:rPr>
-              <a:t>dữ</a:t>
-            </a:r>
-            <a:r>
-              <a:rPr lang="en-US" sz="1200" kern="1200" dirty="0" smtClean="0">
-                <a:solidFill>
-                  <a:schemeClr val="tx1"/>
-                </a:solidFill>
-                <a:latin typeface="+mn-lt"/>
-                <a:ea typeface="+mn-ea"/>
-                <a:cs typeface="+mn-cs"/>
-              </a:rPr>
-              <a:t> </a:t>
-            </a:r>
-            <a:r>
-              <a:rPr lang="en-US" sz="1200" kern="1200" dirty="0" err="1" smtClean="0">
-                <a:solidFill>
-                  <a:schemeClr val="tx1"/>
-                </a:solidFill>
-                <a:latin typeface="+mn-lt"/>
-                <a:ea typeface="+mn-ea"/>
-                <a:cs typeface="+mn-cs"/>
-              </a:rPr>
-              <a:t>liệu</a:t>
-            </a:r>
-            <a:r>
-              <a:rPr lang="en-US" sz="1200" kern="1200" dirty="0" smtClean="0">
-                <a:solidFill>
-                  <a:schemeClr val="tx1"/>
-                </a:solidFill>
-                <a:latin typeface="+mn-lt"/>
-                <a:ea typeface="+mn-ea"/>
-                <a:cs typeface="+mn-cs"/>
-              </a:rPr>
-              <a:t> </a:t>
-            </a:r>
-            <a:r>
-              <a:rPr lang="en-US" sz="1200" kern="1200" dirty="0" err="1" smtClean="0">
-                <a:solidFill>
-                  <a:schemeClr val="tx1"/>
-                </a:solidFill>
-                <a:latin typeface="+mn-lt"/>
-                <a:ea typeface="+mn-ea"/>
-                <a:cs typeface="+mn-cs"/>
-              </a:rPr>
-              <a:t>mà</a:t>
-            </a:r>
-            <a:r>
-              <a:rPr lang="en-US" sz="1200" kern="1200" dirty="0" smtClean="0">
-                <a:solidFill>
-                  <a:schemeClr val="tx1"/>
-                </a:solidFill>
-                <a:latin typeface="+mn-lt"/>
-                <a:ea typeface="+mn-ea"/>
-                <a:cs typeface="+mn-cs"/>
-              </a:rPr>
-              <a:t> </a:t>
-            </a:r>
-            <a:r>
-              <a:rPr lang="en-US" sz="1200" kern="1200" dirty="0" err="1" smtClean="0">
-                <a:solidFill>
-                  <a:schemeClr val="tx1"/>
-                </a:solidFill>
-                <a:latin typeface="+mn-lt"/>
-                <a:ea typeface="+mn-ea"/>
-                <a:cs typeface="+mn-cs"/>
-              </a:rPr>
-              <a:t>nhóm</a:t>
-            </a:r>
-            <a:r>
-              <a:rPr lang="en-US" sz="1200" kern="1200" dirty="0" smtClean="0">
-                <a:solidFill>
-                  <a:schemeClr val="tx1"/>
-                </a:solidFill>
-                <a:latin typeface="+mn-lt"/>
-                <a:ea typeface="+mn-ea"/>
-                <a:cs typeface="+mn-cs"/>
-              </a:rPr>
-              <a:t> </a:t>
-            </a:r>
-            <a:r>
-              <a:rPr lang="en-US" sz="1200" kern="1200" dirty="0" err="1" smtClean="0">
-                <a:solidFill>
-                  <a:schemeClr val="tx1"/>
-                </a:solidFill>
-                <a:latin typeface="+mn-lt"/>
-                <a:ea typeface="+mn-ea"/>
-                <a:cs typeface="+mn-cs"/>
-              </a:rPr>
-              <a:t>thực</a:t>
-            </a:r>
-            <a:r>
-              <a:rPr lang="en-US" sz="1200" kern="1200" dirty="0" smtClean="0">
-                <a:solidFill>
-                  <a:schemeClr val="tx1"/>
-                </a:solidFill>
-                <a:latin typeface="+mn-lt"/>
-                <a:ea typeface="+mn-ea"/>
-                <a:cs typeface="+mn-cs"/>
-              </a:rPr>
-              <a:t> </a:t>
-            </a:r>
-            <a:r>
-              <a:rPr lang="en-US" sz="1200" kern="1200" dirty="0" err="1" smtClean="0">
-                <a:solidFill>
-                  <a:schemeClr val="tx1"/>
-                </a:solidFill>
-                <a:latin typeface="+mn-lt"/>
-                <a:ea typeface="+mn-ea"/>
-                <a:cs typeface="+mn-cs"/>
-              </a:rPr>
-              <a:t>hiện</a:t>
-            </a:r>
-            <a:r>
-              <a:rPr lang="en-US" sz="1200" kern="1200" dirty="0" smtClean="0">
-                <a:solidFill>
-                  <a:schemeClr val="tx1"/>
-                </a:solidFill>
-                <a:latin typeface="+mn-lt"/>
-                <a:ea typeface="+mn-ea"/>
-                <a:cs typeface="+mn-cs"/>
-              </a:rPr>
-              <a:t> </a:t>
-            </a:r>
-            <a:r>
-              <a:rPr lang="en-US" sz="1200" kern="1200" dirty="0" err="1" smtClean="0">
-                <a:solidFill>
-                  <a:schemeClr val="tx1"/>
-                </a:solidFill>
-                <a:latin typeface="+mn-lt"/>
-                <a:ea typeface="+mn-ea"/>
-                <a:cs typeface="+mn-cs"/>
-              </a:rPr>
-              <a:t>sử</a:t>
-            </a:r>
-            <a:r>
-              <a:rPr lang="en-US" sz="1200" kern="1200" dirty="0" smtClean="0">
-                <a:solidFill>
-                  <a:schemeClr val="tx1"/>
-                </a:solidFill>
-                <a:latin typeface="+mn-lt"/>
-                <a:ea typeface="+mn-ea"/>
-                <a:cs typeface="+mn-cs"/>
-              </a:rPr>
-              <a:t> </a:t>
-            </a:r>
-            <a:r>
-              <a:rPr lang="en-US" sz="1200" kern="1200" dirty="0" err="1" smtClean="0">
-                <a:solidFill>
-                  <a:schemeClr val="tx1"/>
-                </a:solidFill>
-                <a:latin typeface="+mn-lt"/>
-                <a:ea typeface="+mn-ea"/>
-                <a:cs typeface="+mn-cs"/>
-              </a:rPr>
-              <a:t>dụng</a:t>
-            </a:r>
-            <a:r>
-              <a:rPr lang="en-US" sz="1200" kern="1200" dirty="0" smtClean="0">
-                <a:solidFill>
-                  <a:schemeClr val="tx1"/>
-                </a:solidFill>
-                <a:latin typeface="+mn-lt"/>
-                <a:ea typeface="+mn-ea"/>
-                <a:cs typeface="+mn-cs"/>
-              </a:rPr>
-              <a:t> </a:t>
-            </a:r>
-            <a:r>
-              <a:rPr lang="en-US" sz="1200" kern="1200" dirty="0" err="1" smtClean="0">
-                <a:solidFill>
-                  <a:schemeClr val="tx1"/>
-                </a:solidFill>
-                <a:latin typeface="+mn-lt"/>
-                <a:ea typeface="+mn-ea"/>
-                <a:cs typeface="+mn-cs"/>
-              </a:rPr>
-              <a:t>là</a:t>
-            </a:r>
-            <a:r>
-              <a:rPr lang="en-US" sz="1200" kern="1200" dirty="0" smtClean="0">
-                <a:solidFill>
-                  <a:schemeClr val="tx1"/>
-                </a:solidFill>
-                <a:latin typeface="+mn-lt"/>
-                <a:ea typeface="+mn-ea"/>
-                <a:cs typeface="+mn-cs"/>
-              </a:rPr>
-              <a:t> </a:t>
-            </a:r>
-            <a:r>
-              <a:rPr lang="en-US" sz="1200" kern="1200" dirty="0" err="1" smtClean="0">
-                <a:solidFill>
-                  <a:schemeClr val="tx1"/>
-                </a:solidFill>
-                <a:latin typeface="+mn-lt"/>
-                <a:ea typeface="+mn-ea"/>
-                <a:cs typeface="+mn-cs"/>
-              </a:rPr>
-              <a:t>quá</a:t>
-            </a:r>
-            <a:r>
-              <a:rPr lang="en-US" sz="1200" kern="1200" dirty="0" smtClean="0">
-                <a:solidFill>
-                  <a:schemeClr val="tx1"/>
-                </a:solidFill>
-                <a:latin typeface="+mn-lt"/>
-                <a:ea typeface="+mn-ea"/>
-                <a:cs typeface="+mn-cs"/>
-              </a:rPr>
-              <a:t> </a:t>
-            </a:r>
-            <a:r>
-              <a:rPr lang="en-US" sz="1200" kern="1200" dirty="0" err="1" smtClean="0">
-                <a:solidFill>
-                  <a:schemeClr val="tx1"/>
-                </a:solidFill>
-                <a:latin typeface="+mn-lt"/>
-                <a:ea typeface="+mn-ea"/>
-                <a:cs typeface="+mn-cs"/>
-              </a:rPr>
-              <a:t>cao</a:t>
-            </a:r>
-            <a:r>
-              <a:rPr lang="en-US" sz="1200" kern="1200" dirty="0" smtClean="0">
-                <a:solidFill>
-                  <a:schemeClr val="tx1"/>
-                </a:solidFill>
-                <a:latin typeface="+mn-lt"/>
-                <a:ea typeface="+mn-ea"/>
-                <a:cs typeface="+mn-cs"/>
-              </a:rPr>
-              <a:t>.</a:t>
-            </a:r>
-          </a:p>
-          <a:p>
-            <a:r>
-              <a:rPr lang="en-US" sz="1200" kern="1200" dirty="0" smtClean="0">
-                <a:solidFill>
-                  <a:schemeClr val="tx1"/>
-                </a:solidFill>
-                <a:latin typeface="+mn-lt"/>
-                <a:ea typeface="+mn-ea"/>
-                <a:cs typeface="+mn-cs"/>
-              </a:rPr>
-              <a:t>- </a:t>
-            </a:r>
-            <a:r>
-              <a:rPr lang="en-US" sz="1200" kern="1200" dirty="0" err="1" smtClean="0">
-                <a:solidFill>
-                  <a:schemeClr val="tx1"/>
-                </a:solidFill>
-                <a:latin typeface="+mn-lt"/>
-                <a:ea typeface="+mn-ea"/>
-                <a:cs typeface="+mn-cs"/>
-              </a:rPr>
-              <a:t>Tuy</a:t>
-            </a:r>
-            <a:r>
-              <a:rPr lang="en-US" sz="1200" kern="1200" dirty="0" smtClean="0">
-                <a:solidFill>
-                  <a:schemeClr val="tx1"/>
-                </a:solidFill>
-                <a:latin typeface="+mn-lt"/>
-                <a:ea typeface="+mn-ea"/>
-                <a:cs typeface="+mn-cs"/>
-              </a:rPr>
-              <a:t> </a:t>
-            </a:r>
-            <a:r>
-              <a:rPr lang="en-US" sz="1200" kern="1200" dirty="0" err="1" smtClean="0">
-                <a:solidFill>
-                  <a:schemeClr val="tx1"/>
-                </a:solidFill>
-                <a:latin typeface="+mn-lt"/>
-                <a:ea typeface="+mn-ea"/>
-                <a:cs typeface="+mn-cs"/>
-              </a:rPr>
-              <a:t>nhiên</a:t>
-            </a:r>
-            <a:r>
-              <a:rPr lang="en-US" sz="1200" kern="1200" dirty="0" smtClean="0">
-                <a:solidFill>
-                  <a:schemeClr val="tx1"/>
-                </a:solidFill>
-                <a:latin typeface="+mn-lt"/>
-                <a:ea typeface="+mn-ea"/>
-                <a:cs typeface="+mn-cs"/>
-              </a:rPr>
-              <a:t>, qua </a:t>
-            </a:r>
-            <a:r>
-              <a:rPr lang="en-US" sz="1200" kern="1200" dirty="0" err="1" smtClean="0">
-                <a:solidFill>
-                  <a:schemeClr val="tx1"/>
-                </a:solidFill>
-                <a:latin typeface="+mn-lt"/>
-                <a:ea typeface="+mn-ea"/>
-                <a:cs typeface="+mn-cs"/>
-              </a:rPr>
-              <a:t>đó</a:t>
-            </a:r>
-            <a:r>
-              <a:rPr lang="en-US" sz="1200" kern="1200" dirty="0" smtClean="0">
-                <a:solidFill>
-                  <a:schemeClr val="tx1"/>
-                </a:solidFill>
-                <a:latin typeface="+mn-lt"/>
-                <a:ea typeface="+mn-ea"/>
-                <a:cs typeface="+mn-cs"/>
-              </a:rPr>
-              <a:t> </a:t>
-            </a:r>
-            <a:r>
-              <a:rPr lang="en-US" sz="1200" kern="1200" dirty="0" err="1" smtClean="0">
-                <a:solidFill>
-                  <a:schemeClr val="tx1"/>
-                </a:solidFill>
-                <a:latin typeface="+mn-lt"/>
-                <a:ea typeface="+mn-ea"/>
-                <a:cs typeface="+mn-cs"/>
-              </a:rPr>
-              <a:t>ta</a:t>
-            </a:r>
-            <a:r>
-              <a:rPr lang="en-US" sz="1200" kern="1200" dirty="0" smtClean="0">
-                <a:solidFill>
-                  <a:schemeClr val="tx1"/>
-                </a:solidFill>
-                <a:latin typeface="+mn-lt"/>
-                <a:ea typeface="+mn-ea"/>
-                <a:cs typeface="+mn-cs"/>
-              </a:rPr>
-              <a:t> </a:t>
-            </a:r>
-            <a:r>
-              <a:rPr lang="en-US" sz="1200" kern="1200" dirty="0" err="1" smtClean="0">
-                <a:solidFill>
-                  <a:schemeClr val="tx1"/>
-                </a:solidFill>
-                <a:latin typeface="+mn-lt"/>
-                <a:ea typeface="+mn-ea"/>
-                <a:cs typeface="+mn-cs"/>
-              </a:rPr>
-              <a:t>có</a:t>
-            </a:r>
-            <a:r>
-              <a:rPr lang="en-US" sz="1200" kern="1200" dirty="0" smtClean="0">
-                <a:solidFill>
-                  <a:schemeClr val="tx1"/>
-                </a:solidFill>
-                <a:latin typeface="+mn-lt"/>
-                <a:ea typeface="+mn-ea"/>
-                <a:cs typeface="+mn-cs"/>
-              </a:rPr>
-              <a:t> </a:t>
-            </a:r>
-            <a:r>
-              <a:rPr lang="en-US" sz="1200" kern="1200" dirty="0" err="1" smtClean="0">
-                <a:solidFill>
-                  <a:schemeClr val="tx1"/>
-                </a:solidFill>
-                <a:latin typeface="+mn-lt"/>
-                <a:ea typeface="+mn-ea"/>
-                <a:cs typeface="+mn-cs"/>
-              </a:rPr>
-              <a:t>thể</a:t>
-            </a:r>
-            <a:r>
-              <a:rPr lang="en-US" sz="1200" kern="1200" dirty="0" smtClean="0">
-                <a:solidFill>
-                  <a:schemeClr val="tx1"/>
-                </a:solidFill>
-                <a:latin typeface="+mn-lt"/>
-                <a:ea typeface="+mn-ea"/>
-                <a:cs typeface="+mn-cs"/>
-              </a:rPr>
-              <a:t> </a:t>
-            </a:r>
-            <a:r>
-              <a:rPr lang="en-US" sz="1200" kern="1200" dirty="0" err="1" smtClean="0">
-                <a:solidFill>
-                  <a:schemeClr val="tx1"/>
-                </a:solidFill>
-                <a:latin typeface="+mn-lt"/>
-                <a:ea typeface="+mn-ea"/>
-                <a:cs typeface="+mn-cs"/>
-              </a:rPr>
-              <a:t>thấy</a:t>
-            </a:r>
-            <a:r>
-              <a:rPr lang="en-US" sz="1200" kern="1200" dirty="0" smtClean="0">
-                <a:solidFill>
-                  <a:schemeClr val="tx1"/>
-                </a:solidFill>
-                <a:latin typeface="+mn-lt"/>
-                <a:ea typeface="+mn-ea"/>
-                <a:cs typeface="+mn-cs"/>
-              </a:rPr>
-              <a:t> </a:t>
-            </a:r>
-            <a:r>
-              <a:rPr lang="en-US" sz="1200" kern="1200" dirty="0" err="1" smtClean="0">
-                <a:solidFill>
-                  <a:schemeClr val="tx1"/>
-                </a:solidFill>
-                <a:latin typeface="+mn-lt"/>
-                <a:ea typeface="+mn-ea"/>
-                <a:cs typeface="+mn-cs"/>
-              </a:rPr>
-              <a:t>được</a:t>
-            </a:r>
-            <a:r>
-              <a:rPr lang="en-US" sz="1200" kern="1200" dirty="0" smtClean="0">
-                <a:solidFill>
-                  <a:schemeClr val="tx1"/>
-                </a:solidFill>
-                <a:latin typeface="+mn-lt"/>
-                <a:ea typeface="+mn-ea"/>
-                <a:cs typeface="+mn-cs"/>
-              </a:rPr>
-              <a:t> </a:t>
-            </a:r>
-            <a:r>
-              <a:rPr lang="en-US" sz="1200" kern="1200" dirty="0" err="1" smtClean="0">
-                <a:solidFill>
-                  <a:schemeClr val="tx1"/>
-                </a:solidFill>
-                <a:latin typeface="+mn-lt"/>
-                <a:ea typeface="+mn-ea"/>
-                <a:cs typeface="+mn-cs"/>
-              </a:rPr>
-              <a:t>giải</a:t>
-            </a:r>
-            <a:r>
-              <a:rPr lang="en-US" sz="1200" kern="1200" dirty="0" smtClean="0">
-                <a:solidFill>
-                  <a:schemeClr val="tx1"/>
-                </a:solidFill>
-                <a:latin typeface="+mn-lt"/>
-                <a:ea typeface="+mn-ea"/>
-                <a:cs typeface="+mn-cs"/>
-              </a:rPr>
-              <a:t> </a:t>
-            </a:r>
-            <a:r>
-              <a:rPr lang="en-US" sz="1200" kern="1200" dirty="0" err="1" smtClean="0">
-                <a:solidFill>
-                  <a:schemeClr val="tx1"/>
-                </a:solidFill>
-                <a:latin typeface="+mn-lt"/>
-                <a:ea typeface="+mn-ea"/>
-                <a:cs typeface="+mn-cs"/>
-              </a:rPr>
-              <a:t>thuật</a:t>
-            </a:r>
-            <a:r>
-              <a:rPr lang="en-US" sz="1200" kern="1200" dirty="0" smtClean="0">
-                <a:solidFill>
-                  <a:schemeClr val="tx1"/>
-                </a:solidFill>
-                <a:latin typeface="+mn-lt"/>
-                <a:ea typeface="+mn-ea"/>
-                <a:cs typeface="+mn-cs"/>
-              </a:rPr>
-              <a:t> SVM </a:t>
-            </a:r>
-            <a:r>
-              <a:rPr lang="en-US" sz="1200" kern="1200" dirty="0" err="1" smtClean="0">
-                <a:solidFill>
-                  <a:schemeClr val="tx1"/>
-                </a:solidFill>
-                <a:latin typeface="+mn-lt"/>
-                <a:ea typeface="+mn-ea"/>
-                <a:cs typeface="+mn-cs"/>
-              </a:rPr>
-              <a:t>chỉ</a:t>
-            </a:r>
-            <a:r>
-              <a:rPr lang="en-US" sz="1200" kern="1200" dirty="0" smtClean="0">
-                <a:solidFill>
-                  <a:schemeClr val="tx1"/>
-                </a:solidFill>
-                <a:latin typeface="+mn-lt"/>
-                <a:ea typeface="+mn-ea"/>
-                <a:cs typeface="+mn-cs"/>
-              </a:rPr>
-              <a:t> </a:t>
-            </a:r>
-            <a:r>
-              <a:rPr lang="en-US" sz="1200" kern="1200" dirty="0" err="1" smtClean="0">
-                <a:solidFill>
-                  <a:schemeClr val="tx1"/>
-                </a:solidFill>
-                <a:latin typeface="+mn-lt"/>
-                <a:ea typeface="+mn-ea"/>
-                <a:cs typeface="+mn-cs"/>
-              </a:rPr>
-              <a:t>có</a:t>
-            </a:r>
-            <a:r>
-              <a:rPr lang="en-US" sz="1200" kern="1200" dirty="0" smtClean="0">
-                <a:solidFill>
-                  <a:schemeClr val="tx1"/>
-                </a:solidFill>
-                <a:latin typeface="+mn-lt"/>
-                <a:ea typeface="+mn-ea"/>
-                <a:cs typeface="+mn-cs"/>
-              </a:rPr>
-              <a:t> </a:t>
-            </a:r>
-            <a:r>
-              <a:rPr lang="en-US" sz="1200" kern="1200" dirty="0" err="1" smtClean="0">
-                <a:solidFill>
-                  <a:schemeClr val="tx1"/>
-                </a:solidFill>
-                <a:latin typeface="+mn-lt"/>
-                <a:ea typeface="+mn-ea"/>
-                <a:cs typeface="+mn-cs"/>
-              </a:rPr>
-              <a:t>thể</a:t>
-            </a:r>
-            <a:r>
-              <a:rPr lang="en-US" sz="1200" kern="1200" dirty="0" smtClean="0">
-                <a:solidFill>
-                  <a:schemeClr val="tx1"/>
-                </a:solidFill>
-                <a:latin typeface="+mn-lt"/>
-                <a:ea typeface="+mn-ea"/>
-                <a:cs typeface="+mn-cs"/>
-              </a:rPr>
-              <a:t> </a:t>
-            </a:r>
-            <a:r>
-              <a:rPr lang="en-US" sz="1200" kern="1200" dirty="0" err="1" smtClean="0">
-                <a:solidFill>
-                  <a:schemeClr val="tx1"/>
-                </a:solidFill>
-                <a:latin typeface="+mn-lt"/>
-                <a:ea typeface="+mn-ea"/>
-                <a:cs typeface="+mn-cs"/>
-              </a:rPr>
-              <a:t>hoạt</a:t>
-            </a:r>
-            <a:r>
-              <a:rPr lang="en-US" sz="1200" kern="1200" dirty="0" smtClean="0">
-                <a:solidFill>
-                  <a:schemeClr val="tx1"/>
-                </a:solidFill>
-                <a:latin typeface="+mn-lt"/>
-                <a:ea typeface="+mn-ea"/>
-                <a:cs typeface="+mn-cs"/>
-              </a:rPr>
-              <a:t> </a:t>
-            </a:r>
-            <a:r>
-              <a:rPr lang="en-US" sz="1200" kern="1200" dirty="0" err="1" smtClean="0">
-                <a:solidFill>
-                  <a:schemeClr val="tx1"/>
-                </a:solidFill>
-                <a:latin typeface="+mn-lt"/>
-                <a:ea typeface="+mn-ea"/>
-                <a:cs typeface="+mn-cs"/>
-              </a:rPr>
-              <a:t>động</a:t>
-            </a:r>
-            <a:r>
-              <a:rPr lang="en-US" sz="1200" kern="1200" dirty="0" smtClean="0">
-                <a:solidFill>
-                  <a:schemeClr val="tx1"/>
-                </a:solidFill>
-                <a:latin typeface="+mn-lt"/>
-                <a:ea typeface="+mn-ea"/>
-                <a:cs typeface="+mn-cs"/>
-              </a:rPr>
-              <a:t> </a:t>
-            </a:r>
-            <a:r>
-              <a:rPr lang="en-US" sz="1200" kern="1200" dirty="0" err="1" smtClean="0">
-                <a:solidFill>
-                  <a:schemeClr val="tx1"/>
-                </a:solidFill>
-                <a:latin typeface="+mn-lt"/>
-                <a:ea typeface="+mn-ea"/>
-                <a:cs typeface="+mn-cs"/>
-              </a:rPr>
-              <a:t>thật</a:t>
-            </a:r>
-            <a:r>
-              <a:rPr lang="en-US" sz="1200" kern="1200" dirty="0" smtClean="0">
-                <a:solidFill>
-                  <a:schemeClr val="tx1"/>
-                </a:solidFill>
-                <a:latin typeface="+mn-lt"/>
-                <a:ea typeface="+mn-ea"/>
-                <a:cs typeface="+mn-cs"/>
-              </a:rPr>
-              <a:t> </a:t>
-            </a:r>
-            <a:r>
-              <a:rPr lang="en-US" sz="1200" kern="1200" dirty="0" err="1" smtClean="0">
-                <a:solidFill>
-                  <a:schemeClr val="tx1"/>
-                </a:solidFill>
-                <a:latin typeface="+mn-lt"/>
-                <a:ea typeface="+mn-ea"/>
-                <a:cs typeface="+mn-cs"/>
-              </a:rPr>
-              <a:t>tốt</a:t>
-            </a:r>
-            <a:r>
-              <a:rPr lang="en-US" sz="1200" kern="1200" dirty="0" smtClean="0">
-                <a:solidFill>
-                  <a:schemeClr val="tx1"/>
-                </a:solidFill>
-                <a:latin typeface="+mn-lt"/>
-                <a:ea typeface="+mn-ea"/>
-                <a:cs typeface="+mn-cs"/>
-              </a:rPr>
-              <a:t> </a:t>
-            </a:r>
-            <a:r>
-              <a:rPr lang="en-US" sz="1200" kern="1200" dirty="0" err="1" smtClean="0">
-                <a:solidFill>
-                  <a:schemeClr val="tx1"/>
-                </a:solidFill>
-                <a:latin typeface="+mn-lt"/>
-                <a:ea typeface="+mn-ea"/>
-                <a:cs typeface="+mn-cs"/>
-              </a:rPr>
-              <a:t>khi</a:t>
-            </a:r>
-            <a:r>
-              <a:rPr lang="en-US" sz="1200" kern="1200" dirty="0" smtClean="0">
-                <a:solidFill>
-                  <a:schemeClr val="tx1"/>
-                </a:solidFill>
-                <a:latin typeface="+mn-lt"/>
-                <a:ea typeface="+mn-ea"/>
-                <a:cs typeface="+mn-cs"/>
-              </a:rPr>
-              <a:t> </a:t>
-            </a:r>
-            <a:r>
-              <a:rPr lang="en-US" sz="1200" kern="1200" dirty="0" err="1" smtClean="0">
-                <a:solidFill>
-                  <a:schemeClr val="tx1"/>
-                </a:solidFill>
-                <a:latin typeface="+mn-lt"/>
-                <a:ea typeface="+mn-ea"/>
-                <a:cs typeface="+mn-cs"/>
-              </a:rPr>
-              <a:t>các</a:t>
-            </a:r>
-            <a:r>
-              <a:rPr lang="en-US" sz="1200" kern="1200" dirty="0" smtClean="0">
-                <a:solidFill>
-                  <a:schemeClr val="tx1"/>
-                </a:solidFill>
-                <a:latin typeface="+mn-lt"/>
-                <a:ea typeface="+mn-ea"/>
-                <a:cs typeface="+mn-cs"/>
-              </a:rPr>
-              <a:t> </a:t>
-            </a:r>
-            <a:r>
-              <a:rPr lang="en-US" sz="1200" kern="1200" dirty="0" err="1" smtClean="0">
-                <a:solidFill>
-                  <a:schemeClr val="tx1"/>
-                </a:solidFill>
-                <a:latin typeface="+mn-lt"/>
-                <a:ea typeface="+mn-ea"/>
-                <a:cs typeface="+mn-cs"/>
-              </a:rPr>
-              <a:t>phân</a:t>
-            </a:r>
-            <a:r>
-              <a:rPr lang="en-US" sz="1200" kern="1200" dirty="0" smtClean="0">
-                <a:solidFill>
-                  <a:schemeClr val="tx1"/>
-                </a:solidFill>
-                <a:latin typeface="+mn-lt"/>
-                <a:ea typeface="+mn-ea"/>
-                <a:cs typeface="+mn-cs"/>
-              </a:rPr>
-              <a:t> </a:t>
-            </a:r>
-            <a:r>
-              <a:rPr lang="en-US" sz="1200" kern="1200" dirty="0" err="1" smtClean="0">
-                <a:solidFill>
-                  <a:schemeClr val="tx1"/>
-                </a:solidFill>
-                <a:latin typeface="+mn-lt"/>
-                <a:ea typeface="+mn-ea"/>
-                <a:cs typeface="+mn-cs"/>
-              </a:rPr>
-              <a:t>lớp</a:t>
-            </a:r>
-            <a:r>
-              <a:rPr lang="en-US" sz="1200" kern="1200" dirty="0" smtClean="0">
-                <a:solidFill>
-                  <a:schemeClr val="tx1"/>
-                </a:solidFill>
-                <a:latin typeface="+mn-lt"/>
-                <a:ea typeface="+mn-ea"/>
-                <a:cs typeface="+mn-cs"/>
-              </a:rPr>
-              <a:t> </a:t>
-            </a:r>
-            <a:r>
-              <a:rPr lang="en-US" sz="1200" kern="1200" dirty="0" err="1" smtClean="0">
-                <a:solidFill>
-                  <a:schemeClr val="tx1"/>
-                </a:solidFill>
-                <a:latin typeface="+mn-lt"/>
-                <a:ea typeface="+mn-ea"/>
-                <a:cs typeface="+mn-cs"/>
-              </a:rPr>
-              <a:t>dữ</a:t>
-            </a:r>
-            <a:r>
-              <a:rPr lang="en-US" sz="1200" kern="1200" dirty="0" smtClean="0">
-                <a:solidFill>
-                  <a:schemeClr val="tx1"/>
-                </a:solidFill>
-                <a:latin typeface="+mn-lt"/>
-                <a:ea typeface="+mn-ea"/>
-                <a:cs typeface="+mn-cs"/>
-              </a:rPr>
-              <a:t> </a:t>
-            </a:r>
-            <a:r>
-              <a:rPr lang="en-US" sz="1200" kern="1200" dirty="0" err="1" smtClean="0">
-                <a:solidFill>
-                  <a:schemeClr val="tx1"/>
-                </a:solidFill>
-                <a:latin typeface="+mn-lt"/>
-                <a:ea typeface="+mn-ea"/>
-                <a:cs typeface="+mn-cs"/>
-              </a:rPr>
-              <a:t>liệu</a:t>
-            </a:r>
-            <a:r>
-              <a:rPr lang="en-US" sz="1200" kern="1200" dirty="0" smtClean="0">
-                <a:solidFill>
-                  <a:schemeClr val="tx1"/>
-                </a:solidFill>
-                <a:latin typeface="+mn-lt"/>
-                <a:ea typeface="+mn-ea"/>
-                <a:cs typeface="+mn-cs"/>
-              </a:rPr>
-              <a:t> </a:t>
-            </a:r>
-            <a:r>
-              <a:rPr lang="en-US" sz="1200" kern="1200" dirty="0" err="1" smtClean="0">
-                <a:solidFill>
-                  <a:schemeClr val="tx1"/>
-                </a:solidFill>
-                <a:latin typeface="+mn-lt"/>
-                <a:ea typeface="+mn-ea"/>
-                <a:cs typeface="+mn-cs"/>
-              </a:rPr>
-              <a:t>là</a:t>
-            </a:r>
-            <a:r>
-              <a:rPr lang="en-US" sz="1200" kern="1200" dirty="0" smtClean="0">
-                <a:solidFill>
-                  <a:schemeClr val="tx1"/>
-                </a:solidFill>
-                <a:latin typeface="+mn-lt"/>
-                <a:ea typeface="+mn-ea"/>
-                <a:cs typeface="+mn-cs"/>
-              </a:rPr>
-              <a:t> </a:t>
-            </a:r>
-            <a:r>
-              <a:rPr lang="en-US" sz="1200" kern="1200" dirty="0" err="1" smtClean="0">
-                <a:solidFill>
-                  <a:schemeClr val="tx1"/>
-                </a:solidFill>
-                <a:latin typeface="+mn-lt"/>
-                <a:ea typeface="+mn-ea"/>
-                <a:cs typeface="+mn-cs"/>
-              </a:rPr>
-              <a:t>đồng</a:t>
-            </a:r>
-            <a:r>
-              <a:rPr lang="en-US" sz="1200" kern="1200" dirty="0" smtClean="0">
-                <a:solidFill>
-                  <a:schemeClr val="tx1"/>
-                </a:solidFill>
-                <a:latin typeface="+mn-lt"/>
-                <a:ea typeface="+mn-ea"/>
-                <a:cs typeface="+mn-cs"/>
-              </a:rPr>
-              <a:t> </a:t>
-            </a:r>
-            <a:r>
-              <a:rPr lang="en-US" sz="1200" kern="1200" dirty="0" err="1" smtClean="0">
-                <a:solidFill>
-                  <a:schemeClr val="tx1"/>
-                </a:solidFill>
-                <a:latin typeface="+mn-lt"/>
-                <a:ea typeface="+mn-ea"/>
-                <a:cs typeface="+mn-cs"/>
-              </a:rPr>
-              <a:t>đều</a:t>
-            </a:r>
-            <a:r>
-              <a:rPr lang="en-US" sz="1200" kern="1200" dirty="0" smtClean="0">
-                <a:solidFill>
-                  <a:schemeClr val="tx1"/>
-                </a:solidFill>
-                <a:latin typeface="+mn-lt"/>
-                <a:ea typeface="+mn-ea"/>
-                <a:cs typeface="+mn-cs"/>
-              </a:rPr>
-              <a:t> </a:t>
-            </a:r>
-            <a:r>
-              <a:rPr lang="en-US" sz="1200" kern="1200" dirty="0" err="1" smtClean="0">
-                <a:solidFill>
-                  <a:schemeClr val="tx1"/>
-                </a:solidFill>
-                <a:latin typeface="+mn-lt"/>
-                <a:ea typeface="+mn-ea"/>
-                <a:cs typeface="+mn-cs"/>
-              </a:rPr>
-              <a:t>với</a:t>
-            </a:r>
-            <a:r>
-              <a:rPr lang="en-US" sz="1200" kern="1200" dirty="0" smtClean="0">
-                <a:solidFill>
-                  <a:schemeClr val="tx1"/>
-                </a:solidFill>
-                <a:latin typeface="+mn-lt"/>
-                <a:ea typeface="+mn-ea"/>
-                <a:cs typeface="+mn-cs"/>
-              </a:rPr>
-              <a:t> </a:t>
-            </a:r>
-            <a:r>
-              <a:rPr lang="en-US" sz="1200" kern="1200" dirty="0" err="1" smtClean="0">
-                <a:solidFill>
-                  <a:schemeClr val="tx1"/>
-                </a:solidFill>
-                <a:latin typeface="+mn-lt"/>
-                <a:ea typeface="+mn-ea"/>
-                <a:cs typeface="+mn-cs"/>
-              </a:rPr>
-              <a:t>nhau</a:t>
-            </a:r>
+            <a:pPr marL="0" marR="0" indent="0" algn="l" defTabSz="914400" rtl="0" eaLnBrk="1" fontAlgn="auto" latinLnBrk="0" hangingPunct="1">
+              <a:lnSpc>
+                <a:spcPct val="100000"/>
+              </a:lnSpc>
+              <a:spcBef>
+                <a:spcPts val="0"/>
+              </a:spcBef>
+              <a:spcAft>
+                <a:spcPts val="0"/>
+              </a:spcAft>
+              <a:buClrTx/>
+              <a:buSzTx/>
+              <a:buFontTx/>
+              <a:buChar char="-"/>
+              <a:tabLst/>
+              <a:defRPr/>
+            </a:pPr>
             <a:endParaRPr lang="en-US" sz="1200" baseline="0" dirty="0" smtClean="0"/>
           </a:p>
         </p:txBody>
@@ -10188,204 +8693,6 @@
               <a:rPr lang="en-US" smtClean="0"/>
               <a:pPr/>
               <a:t>26</a:t>
-            </a:fld>
-            <a:endParaRPr lang="en-US"/>
-          </a:p>
-        </p:txBody>
-      </p:sp>
-    </p:spTree>
-  </p:cSld>
-  <p:clrMapOvr>
-    <a:masterClrMapping/>
-  </p:clrMapOvr>
-</p:notes>
-</file>
-
-<file path=ppt/notesSlides/notesSlide26.xml><?xml version="1.0" encoding="utf-8"?>
-<p:notes xmlns:a="http://schemas.openxmlformats.org/drawingml/2006/main" xmlns:r="http://schemas.openxmlformats.org/officeDocument/2006/relationships" xmlns:p="http://schemas.openxmlformats.org/presentationml/2006/main">
-  <p:cSld>
-    <p:spTree>
-      <p:nvGrpSpPr>
-        <p:cNvPr id="1" name=""/>
-        <p:cNvGrpSpPr/>
-        <p:nvPr/>
-      </p:nvGrpSpPr>
-      <p:grpSpPr>
-        <a:xfrm>
-          <a:off x="0" y="0"/>
-          <a:ext cx="0" cy="0"/>
-          <a:chOff x="0" y="0"/>
-          <a:chExt cx="0" cy="0"/>
-        </a:xfrm>
-      </p:grpSpPr>
-      <p:sp>
-        <p:nvSpPr>
-          <p:cNvPr id="2" name="Slide Image Placeholder 1"/>
-          <p:cNvSpPr>
-            <a:spLocks noGrp="1" noRot="1" noChangeAspect="1"/>
-          </p:cNvSpPr>
-          <p:nvPr>
-            <p:ph type="sldImg"/>
-          </p:nvPr>
-        </p:nvSpPr>
-        <p:spPr/>
-      </p:sp>
-      <p:sp>
-        <p:nvSpPr>
-          <p:cNvPr id="3" name="Notes Placeholder 2"/>
-          <p:cNvSpPr>
-            <a:spLocks noGrp="1"/>
-          </p:cNvSpPr>
-          <p:nvPr>
-            <p:ph type="body" idx="1"/>
-          </p:nvPr>
-        </p:nvSpPr>
-        <p:spPr/>
-        <p:txBody>
-          <a:bodyPr>
-            <a:normAutofit/>
-          </a:bodyPr>
-          <a:lstStyle/>
-          <a:p>
-            <a:pPr marL="0" marR="0" indent="0" algn="l" defTabSz="914400" rtl="0" eaLnBrk="1" fontAlgn="auto" latinLnBrk="0" hangingPunct="1">
-              <a:lnSpc>
-                <a:spcPct val="100000"/>
-              </a:lnSpc>
-              <a:spcBef>
-                <a:spcPts val="0"/>
-              </a:spcBef>
-              <a:spcAft>
-                <a:spcPts val="0"/>
-              </a:spcAft>
-              <a:buClrTx/>
-              <a:buSzTx/>
-              <a:buFontTx/>
-              <a:buChar char="-"/>
-              <a:tabLst/>
-              <a:defRPr/>
-            </a:pPr>
-            <a:endParaRPr lang="en-US" sz="1200" baseline="0" dirty="0" smtClean="0"/>
-          </a:p>
-        </p:txBody>
-      </p:sp>
-      <p:sp>
-        <p:nvSpPr>
-          <p:cNvPr id="4" name="Slide Number Placeholder 3"/>
-          <p:cNvSpPr>
-            <a:spLocks noGrp="1"/>
-          </p:cNvSpPr>
-          <p:nvPr>
-            <p:ph type="sldNum" sz="quarter" idx="10"/>
-          </p:nvPr>
-        </p:nvSpPr>
-        <p:spPr/>
-        <p:txBody>
-          <a:bodyPr/>
-          <a:lstStyle/>
-          <a:p>
-            <a:fld id="{DC8D026E-066F-482A-B4A4-CA96FF9CD14B}" type="slidenum">
-              <a:rPr lang="en-US" smtClean="0"/>
-              <a:pPr/>
-              <a:t>27</a:t>
-            </a:fld>
-            <a:endParaRPr lang="en-US"/>
-          </a:p>
-        </p:txBody>
-      </p:sp>
-    </p:spTree>
-  </p:cSld>
-  <p:clrMapOvr>
-    <a:masterClrMapping/>
-  </p:clrMapOvr>
-</p:notes>
-</file>
-
-<file path=ppt/notesSlides/notesSlide27.xml><?xml version="1.0" encoding="utf-8"?>
-<p:notes xmlns:a="http://schemas.openxmlformats.org/drawingml/2006/main" xmlns:r="http://schemas.openxmlformats.org/officeDocument/2006/relationships" xmlns:p="http://schemas.openxmlformats.org/presentationml/2006/main">
-  <p:cSld>
-    <p:spTree>
-      <p:nvGrpSpPr>
-        <p:cNvPr id="1" name=""/>
-        <p:cNvGrpSpPr/>
-        <p:nvPr/>
-      </p:nvGrpSpPr>
-      <p:grpSpPr>
-        <a:xfrm>
-          <a:off x="0" y="0"/>
-          <a:ext cx="0" cy="0"/>
-          <a:chOff x="0" y="0"/>
-          <a:chExt cx="0" cy="0"/>
-        </a:xfrm>
-      </p:grpSpPr>
-      <p:sp>
-        <p:nvSpPr>
-          <p:cNvPr id="2" name="Slide Image Placeholder 1"/>
-          <p:cNvSpPr>
-            <a:spLocks noGrp="1" noRot="1" noChangeAspect="1"/>
-          </p:cNvSpPr>
-          <p:nvPr>
-            <p:ph type="sldImg"/>
-          </p:nvPr>
-        </p:nvSpPr>
-        <p:spPr/>
-      </p:sp>
-      <p:sp>
-        <p:nvSpPr>
-          <p:cNvPr id="3" name="Notes Placeholder 2"/>
-          <p:cNvSpPr>
-            <a:spLocks noGrp="1"/>
-          </p:cNvSpPr>
-          <p:nvPr>
-            <p:ph type="body" idx="1"/>
-          </p:nvPr>
-        </p:nvSpPr>
-        <p:spPr/>
-        <p:txBody>
-          <a:bodyPr>
-            <a:normAutofit/>
-          </a:bodyPr>
-          <a:lstStyle/>
-          <a:p>
-            <a:pPr marL="0" marR="0" indent="0" algn="l" defTabSz="914400" rtl="0" eaLnBrk="1" fontAlgn="auto" latinLnBrk="0" hangingPunct="1">
-              <a:lnSpc>
-                <a:spcPct val="100000"/>
-              </a:lnSpc>
-              <a:spcBef>
-                <a:spcPts val="0"/>
-              </a:spcBef>
-              <a:spcAft>
-                <a:spcPts val="0"/>
-              </a:spcAft>
-              <a:buClrTx/>
-              <a:buSzTx/>
-              <a:buFontTx/>
-              <a:buChar char="-"/>
-              <a:tabLst/>
-              <a:defRPr/>
-            </a:pPr>
-            <a:endParaRPr lang="en-US" sz="1200" baseline="0" dirty="0" smtClean="0"/>
-          </a:p>
-        </p:txBody>
-      </p:sp>
-      <p:sp>
-        <p:nvSpPr>
-          <p:cNvPr id="4" name="Slide Number Placeholder 3"/>
-          <p:cNvSpPr>
-            <a:spLocks noGrp="1"/>
-          </p:cNvSpPr>
-          <p:nvPr>
-            <p:ph type="sldNum" sz="quarter" idx="10"/>
-          </p:nvPr>
-        </p:nvSpPr>
-        <p:spPr/>
-        <p:txBody>
-          <a:bodyPr/>
-          <a:lstStyle/>
-          <a:p>
-            <a:fld id="{DC8D026E-066F-482A-B4A4-CA96FF9CD14B}" type="slidenum">
-              <a:rPr lang="en-US" smtClean="0"/>
-              <a:pPr/>
-              <a:t>28</a:t>
             </a:fld>
             <a:endParaRPr lang="en-US"/>
           </a:p>
@@ -20656,7 +18963,7 @@
             <a:fld id="{D2C2CA68-399F-4F9A-8268-6FB408DC6ED4}" type="datetime1">
               <a:rPr lang="vi-VN" smtClean="0"/>
               <a:pPr/>
-              <a:t>06/03/2013</a:t>
+              <a:t>08/03/2013</a:t>
             </a:fld>
             <a:endParaRPr lang="en-US"/>
           </a:p>
@@ -20827,7 +19134,7 @@
             <a:fld id="{D211FDC5-9BEC-436E-ADBF-79C5CC9B4CF7}" type="datetime1">
               <a:rPr lang="vi-VN" smtClean="0"/>
               <a:pPr/>
-              <a:t>06/03/2013</a:t>
+              <a:t>08/03/2013</a:t>
             </a:fld>
             <a:endParaRPr lang="en-US"/>
           </a:p>
@@ -21008,7 +19315,7 @@
             <a:fld id="{5B7ED60B-9DA6-4029-A6E0-C3E70810ED06}" type="datetime1">
               <a:rPr lang="vi-VN" smtClean="0"/>
               <a:pPr/>
-              <a:t>06/03/2013</a:t>
+              <a:t>08/03/2013</a:t>
             </a:fld>
             <a:endParaRPr lang="en-US"/>
           </a:p>
@@ -21179,7 +19486,7 @@
             <a:fld id="{363E45C6-9571-4178-A8DA-81C5BD399E46}" type="datetime1">
               <a:rPr lang="vi-VN" smtClean="0"/>
               <a:pPr/>
-              <a:t>06/03/2013</a:t>
+              <a:t>08/03/2013</a:t>
             </a:fld>
             <a:endParaRPr lang="en-US"/>
           </a:p>
@@ -21427,7 +19734,7 @@
             <a:fld id="{81254D99-B268-4C7E-B913-BB8C533D1733}" type="datetime1">
               <a:rPr lang="vi-VN" smtClean="0"/>
               <a:pPr/>
-              <a:t>06/03/2013</a:t>
+              <a:t>08/03/2013</a:t>
             </a:fld>
             <a:endParaRPr lang="en-US"/>
           </a:p>
@@ -21697,7 +20004,7 @@
             <a:fld id="{24894BEA-E13F-4EB9-A706-B3D3C48BE470}" type="datetime1">
               <a:rPr lang="vi-VN" smtClean="0"/>
               <a:pPr/>
-              <a:t>06/03/2013</a:t>
+              <a:t>08/03/2013</a:t>
             </a:fld>
             <a:endParaRPr lang="en-US"/>
           </a:p>
@@ -22081,7 +20388,7 @@
             <a:fld id="{BC0C5D4F-8D99-48A5-A313-569773698676}" type="datetime1">
               <a:rPr lang="vi-VN" smtClean="0"/>
               <a:pPr/>
-              <a:t>06/03/2013</a:t>
+              <a:t>08/03/2013</a:t>
             </a:fld>
             <a:endParaRPr lang="en-US"/>
           </a:p>
@@ -22237,7 +20544,7 @@
             <a:fld id="{93686B7C-05AB-4552-91ED-F19D514591C4}" type="datetime1">
               <a:rPr lang="vi-VN" smtClean="0"/>
               <a:pPr/>
-              <a:t>06/03/2013</a:t>
+              <a:t>08/03/2013</a:t>
             </a:fld>
             <a:endParaRPr lang="en-US"/>
           </a:p>
@@ -22333,7 +20640,7 @@
             <a:fld id="{965A0F3B-122F-4DB1-BEEF-A1D6FCE80F47}" type="datetime1">
               <a:rPr lang="vi-VN" smtClean="0"/>
               <a:pPr/>
-              <a:t>06/03/2013</a:t>
+              <a:t>08/03/2013</a:t>
             </a:fld>
             <a:endParaRPr lang="en-US"/>
           </a:p>
@@ -22600,7 +20907,7 @@
             <a:fld id="{0D5A1CDE-AE53-49A3-8A3C-9E822C2F4E43}" type="datetime1">
               <a:rPr lang="vi-VN" smtClean="0"/>
               <a:pPr/>
-              <a:t>06/03/2013</a:t>
+              <a:t>08/03/2013</a:t>
             </a:fld>
             <a:endParaRPr lang="en-US"/>
           </a:p>
@@ -22894,7 +21201,7 @@
             <a:fld id="{54448914-2CAC-4BAA-8D3B-146759C8F9E7}" type="datetime1">
               <a:rPr lang="vi-VN" smtClean="0"/>
               <a:pPr/>
-              <a:t>06/03/2013</a:t>
+              <a:t>08/03/2013</a:t>
             </a:fld>
             <a:endParaRPr lang="en-US"/>
           </a:p>
@@ -23671,7 +21978,7 @@
             <a:fld id="{DD8D0996-8FC3-4096-8C4C-848D9C3546D8}" type="datetime1">
               <a:rPr lang="vi-VN" smtClean="0"/>
               <a:pPr/>
-              <a:t>06/03/2013</a:t>
+              <a:t>08/03/2013</a:t>
             </a:fld>
             <a:endParaRPr lang="en-US"/>
           </a:p>
@@ -24632,7 +22939,7 @@
             <a:fld id="{6C5B9B98-A739-4773-A7F3-EBA5624A789F}" type="datetime1">
               <a:rPr lang="vi-VN" sz="1600" smtClean="0"/>
               <a:pPr/>
-              <a:t>06/03/2013</a:t>
+              <a:t>08/03/2013</a:t>
             </a:fld>
             <a:endParaRPr lang="en-US" sz="1600" dirty="0"/>
           </a:p>
@@ -24878,11 +23185,7 @@
             </a:pPr>
             <a:r>
               <a:rPr lang="en-US" sz="3600" dirty="0" smtClean="0"/>
-              <a:t> </a:t>
-            </a:r>
-            <a:r>
-              <a:rPr lang="en-US" sz="3600" dirty="0" smtClean="0"/>
-              <a:t> </a:t>
+              <a:t>  </a:t>
             </a:r>
             <a:r>
               <a:rPr lang="en-US" sz="3600" dirty="0" err="1" smtClean="0"/>
@@ -24890,11 +23193,7 @@
             </a:r>
             <a:r>
               <a:rPr lang="en-US" sz="3600" dirty="0" smtClean="0"/>
-              <a:t> </a:t>
-            </a:r>
-            <a:r>
-              <a:rPr lang="en-US" sz="3600" dirty="0" smtClean="0"/>
-              <a:t>hiện thu thập dữ liệu tại BV Thủ Đức và BV Đa Khoa Thủ Đức.</a:t>
+              <a:t> hiện thu thập dữ liệu tại BV Thủ Đức và BV Đa Khoa Thủ Đức.</a:t>
             </a:r>
           </a:p>
           <a:p>
@@ -24923,7 +23222,7 @@
             <a:fld id="{363E45C6-9571-4178-A8DA-81C5BD399E46}" type="datetime1">
               <a:rPr lang="vi-VN" smtClean="0"/>
               <a:pPr/>
-              <a:t>06/03/2013</a:t>
+              <a:t>08/03/2013</a:t>
             </a:fld>
             <a:endParaRPr lang="en-US"/>
           </a:p>
@@ -24962,7 +23261,7 @@
           <p:nvPr>
             <p:extLst>
               <p:ext uri="{D42A27DB-BD31-4B8C-83A1-F6EECF244321}">
-                <p14:modId xmlns:p14="http://schemas.microsoft.com/office/powerpoint/2010/main" xmlns="" val="2073426484"/>
+                <p14:modId xmlns="" xmlns:p14="http://schemas.microsoft.com/office/powerpoint/2010/main" val="2073426484"/>
               </p:ext>
             </p:extLst>
           </p:nvPr>
@@ -25564,7 +23863,7 @@
             <a:fld id="{363E45C6-9571-4178-A8DA-81C5BD399E46}" type="datetime1">
               <a:rPr lang="vi-VN" smtClean="0"/>
               <a:pPr/>
-              <a:t>06/03/2013</a:t>
+              <a:t>08/03/2013</a:t>
             </a:fld>
             <a:endParaRPr lang="en-US"/>
           </a:p>
@@ -25867,7 +24166,7 @@
             <a:fld id="{363E45C6-9571-4178-A8DA-81C5BD399E46}" type="datetime1">
               <a:rPr lang="vi-VN" smtClean="0"/>
               <a:pPr/>
-              <a:t>06/03/2013</a:t>
+              <a:t>08/03/2013</a:t>
             </a:fld>
             <a:endParaRPr lang="en-US"/>
           </a:p>
@@ -26306,7 +24605,7 @@
             <a:fld id="{363E45C6-9571-4178-A8DA-81C5BD399E46}" type="datetime1">
               <a:rPr lang="vi-VN" smtClean="0"/>
               <a:pPr/>
-              <a:t>06/03/2013</a:t>
+              <a:t>08/03/2013</a:t>
             </a:fld>
             <a:endParaRPr lang="en-US"/>
           </a:p>
@@ -26703,7 +25002,7 @@
             <a:fld id="{363E45C6-9571-4178-A8DA-81C5BD399E46}" type="datetime1">
               <a:rPr lang="vi-VN" smtClean="0"/>
               <a:pPr/>
-              <a:t>06/03/2013</a:t>
+              <a:t>08/03/2013</a:t>
             </a:fld>
             <a:endParaRPr lang="en-US"/>
           </a:p>
@@ -26887,23 +25186,14 @@
           <a:p>
             <a:r>
               <a:rPr lang="en-US" sz="3600" dirty="0" smtClean="0"/>
-              <a:t> </a:t>
-            </a:r>
+              <a:t> Recall (*)</a:t>
+            </a:r>
+          </a:p>
+          <a:p>
             <a:r>
               <a:rPr lang="en-US" sz="3600" dirty="0" smtClean="0"/>
-              <a:t>Recall (*)</a:t>
-            </a:r>
-          </a:p>
-          <a:p>
-            <a:r>
-              <a:rPr lang="en-US" sz="3600" dirty="0" smtClean="0"/>
-              <a:t> </a:t>
-            </a:r>
-            <a:r>
-              <a:rPr lang="en-US" sz="3600" dirty="0" smtClean="0"/>
-              <a:t>True Negative Rate (*)</a:t>
-            </a:r>
-            <a:endParaRPr lang="en-US" sz="3600" dirty="0" smtClean="0"/>
+              <a:t> True Negative Rate (*)</a:t>
+            </a:r>
           </a:p>
           <a:p>
             <a:r>
@@ -26914,11 +25204,7 @@
           <a:p>
             <a:r>
               <a:rPr lang="en-US" sz="3600" dirty="0" smtClean="0"/>
-              <a:t> </a:t>
-            </a:r>
-            <a:r>
-              <a:rPr lang="en-US" sz="3600" dirty="0" smtClean="0"/>
-              <a:t>Accuracy</a:t>
+              <a:t> Accuracy</a:t>
             </a:r>
             <a:endParaRPr lang="en-US" sz="3600" dirty="0"/>
           </a:p>
@@ -26942,7 +25228,7 @@
             <a:fld id="{363E45C6-9571-4178-A8DA-81C5BD399E46}" type="datetime1">
               <a:rPr lang="vi-VN" smtClean="0"/>
               <a:pPr/>
-              <a:t>06/03/2013</a:t>
+              <a:t>08/03/2013</a:t>
             </a:fld>
             <a:endParaRPr lang="en-US"/>
           </a:p>
@@ -27195,15 +25481,13 @@
             </a:r>
             <a:r>
               <a:rPr lang="en-US" sz="3600" dirty="0" smtClean="0"/>
-              <a:t> C4.5</a:t>
-            </a:r>
-          </a:p>
-          <a:p>
+              <a:t> </a:t>
+            </a:r>
             <a:r>
               <a:rPr lang="en-US" sz="3600" dirty="0" smtClean="0"/>
-              <a:t> SVM</a:t>
-            </a:r>
-            <a:endParaRPr lang="en-US" sz="3600" dirty="0"/>
+              <a:t>C4.5</a:t>
+            </a:r>
+            <a:endParaRPr lang="en-US" sz="3600" dirty="0" smtClean="0"/>
           </a:p>
         </p:txBody>
       </p:sp>
@@ -27225,7 +25509,7 @@
             <a:fld id="{363E45C6-9571-4178-A8DA-81C5BD399E46}" type="datetime1">
               <a:rPr lang="vi-VN" smtClean="0"/>
               <a:pPr/>
-              <a:t>06/03/2013</a:t>
+              <a:t>08/03/2013</a:t>
             </a:fld>
             <a:endParaRPr lang="en-US"/>
           </a:p>
@@ -27426,7 +25710,7 @@
             <a:fld id="{363E45C6-9571-4178-A8DA-81C5BD399E46}" type="datetime1">
               <a:rPr lang="vi-VN" smtClean="0"/>
               <a:pPr/>
-              <a:t>06/03/2013</a:t>
+              <a:t>08/03/2013</a:t>
             </a:fld>
             <a:endParaRPr lang="en-US"/>
           </a:p>
@@ -28552,7 +26836,7 @@
             <a:fld id="{363E45C6-9571-4178-A8DA-81C5BD399E46}" type="datetime1">
               <a:rPr lang="vi-VN" smtClean="0"/>
               <a:pPr/>
-              <a:t>06/03/2013</a:t>
+              <a:t>08/03/2013</a:t>
             </a:fld>
             <a:endParaRPr lang="en-US"/>
           </a:p>
@@ -29826,7 +28110,7 @@
             <a:fld id="{363E45C6-9571-4178-A8DA-81C5BD399E46}" type="datetime1">
               <a:rPr lang="vi-VN" smtClean="0"/>
               <a:pPr/>
-              <a:t>06/03/2013</a:t>
+              <a:t>08/03/2013</a:t>
             </a:fld>
             <a:endParaRPr lang="en-US"/>
           </a:p>
@@ -30705,7 +28989,7 @@
             <a:fld id="{363E45C6-9571-4178-A8DA-81C5BD399E46}" type="datetime1">
               <a:rPr lang="vi-VN" smtClean="0"/>
               <a:pPr/>
-              <a:t>06/03/2013</a:t>
+              <a:t>08/03/2013</a:t>
             </a:fld>
             <a:endParaRPr lang="en-US"/>
           </a:p>
@@ -31327,17 +29611,7 @@
                 <a:latin typeface="Segoe UI" pitchFamily="34" charset="0"/>
                 <a:cs typeface="Segoe UI" pitchFamily="34" charset="0"/>
               </a:rPr>
-              <a:t>lâ</a:t>
-            </a:r>
-            <a:r>
-              <a:rPr lang="en-US" b="1" dirty="0" err="1" smtClean="0">
-                <a:solidFill>
-                  <a:schemeClr val="bg1"/>
-                </a:solidFill>
-                <a:latin typeface="Segoe UI" pitchFamily="34" charset="0"/>
-                <a:cs typeface="Segoe UI" pitchFamily="34" charset="0"/>
-              </a:rPr>
-              <a:t>m</a:t>
+              <a:t>lâm</a:t>
             </a:r>
             <a:r>
               <a:rPr lang="en-US" b="1" dirty="0" smtClean="0">
@@ -32602,7 +30876,7 @@
             <a:fld id="{363E45C6-9571-4178-A8DA-81C5BD399E46}" type="datetime1">
               <a:rPr lang="vi-VN" smtClean="0"/>
               <a:pPr/>
-              <a:t>06/03/2013</a:t>
+              <a:t>08/03/2013</a:t>
             </a:fld>
             <a:endParaRPr lang="en-US"/>
           </a:p>
@@ -33952,7 +32226,7 @@
             <a:fld id="{363E45C6-9571-4178-A8DA-81C5BD399E46}" type="datetime1">
               <a:rPr lang="vi-VN" smtClean="0"/>
               <a:pPr/>
-              <a:t>06/03/2013</a:t>
+              <a:t>08/03/2013</a:t>
             </a:fld>
             <a:endParaRPr lang="en-US"/>
           </a:p>
@@ -34405,7 +32679,7 @@
             <a:fld id="{363E45C6-9571-4178-A8DA-81C5BD399E46}" type="datetime1">
               <a:rPr lang="vi-VN" smtClean="0"/>
               <a:pPr/>
-              <a:t>06/03/2013</a:t>
+              <a:t>08/03/2013</a:t>
             </a:fld>
             <a:endParaRPr lang="en-US"/>
           </a:p>
@@ -34609,7 +32883,12 @@
             <p:ph idx="1"/>
           </p:nvPr>
         </p:nvSpPr>
-        <p:spPr/>
+        <p:spPr>
+          <a:xfrm>
+            <a:off x="457200" y="1981200"/>
+            <a:ext cx="8229600" cy="4389120"/>
+          </a:xfrm>
+        </p:spPr>
         <p:txBody>
           <a:bodyPr>
             <a:noAutofit/>
@@ -34621,13 +32900,211 @@
             </a:pPr>
             <a:r>
               <a:rPr lang="en-US" sz="3600" dirty="0" smtClean="0"/>
-              <a:t>	SVM</a:t>
-            </a:r>
-          </a:p>
-          <a:p>
-            <a:pPr>
-              <a:buNone/>
-            </a:pPr>
+              <a:t>	</a:t>
+            </a:r>
+            <a:r>
+              <a:rPr lang="en-US" sz="3600" dirty="0" err="1" smtClean="0"/>
+              <a:t>Kết</a:t>
+            </a:r>
+            <a:r>
+              <a:rPr lang="en-US" sz="3600" dirty="0" smtClean="0"/>
+              <a:t> </a:t>
+            </a:r>
+            <a:r>
+              <a:rPr lang="en-US" sz="3600" dirty="0" err="1" smtClean="0"/>
+              <a:t>quả</a:t>
+            </a:r>
+            <a:endParaRPr lang="en-US" sz="3600" dirty="0" smtClean="0"/>
+          </a:p>
+          <a:p>
+            <a:r>
+              <a:rPr lang="en-US" sz="3600" dirty="0" err="1" smtClean="0"/>
+              <a:t>Xây</a:t>
+            </a:r>
+            <a:r>
+              <a:rPr lang="en-US" sz="3600" dirty="0" smtClean="0"/>
+              <a:t> </a:t>
+            </a:r>
+            <a:r>
+              <a:rPr lang="en-US" sz="3600" dirty="0" err="1" smtClean="0"/>
+              <a:t>dựng</a:t>
+            </a:r>
+            <a:r>
+              <a:rPr lang="en-US" sz="3600" dirty="0" smtClean="0"/>
+              <a:t> </a:t>
+            </a:r>
+            <a:r>
+              <a:rPr lang="en-US" sz="3600" dirty="0" err="1" smtClean="0"/>
+              <a:t>được</a:t>
+            </a:r>
+            <a:r>
+              <a:rPr lang="en-US" sz="3600" dirty="0" smtClean="0"/>
+              <a:t> </a:t>
+            </a:r>
+            <a:r>
+              <a:rPr lang="en-US" sz="3600" dirty="0" err="1" smtClean="0"/>
+              <a:t>mô</a:t>
+            </a:r>
+            <a:r>
+              <a:rPr lang="en-US" sz="3600" dirty="0" smtClean="0"/>
+              <a:t> </a:t>
+            </a:r>
+            <a:r>
+              <a:rPr lang="en-US" sz="3600" dirty="0" err="1" smtClean="0"/>
+              <a:t>hình</a:t>
+            </a:r>
+            <a:r>
+              <a:rPr lang="en-US" sz="3600" dirty="0" smtClean="0"/>
+              <a:t> </a:t>
+            </a:r>
+            <a:r>
+              <a:rPr lang="en-US" sz="3600" dirty="0" err="1" smtClean="0"/>
+              <a:t>dữ</a:t>
+            </a:r>
+            <a:r>
+              <a:rPr lang="en-US" sz="3600" dirty="0" smtClean="0"/>
+              <a:t> </a:t>
+            </a:r>
+            <a:r>
+              <a:rPr lang="en-US" sz="3600" dirty="0" err="1" smtClean="0"/>
+              <a:t>liệu</a:t>
+            </a:r>
+            <a:r>
+              <a:rPr lang="en-US" sz="3600" dirty="0" smtClean="0"/>
+              <a:t>.</a:t>
+            </a:r>
+          </a:p>
+          <a:p>
+            <a:r>
+              <a:rPr lang="en-US" sz="3600" dirty="0" err="1" smtClean="0"/>
+              <a:t>Đáp</a:t>
+            </a:r>
+            <a:r>
+              <a:rPr lang="en-US" sz="3600" dirty="0" smtClean="0"/>
+              <a:t> </a:t>
+            </a:r>
+            <a:r>
+              <a:rPr lang="en-US" sz="3600" dirty="0" err="1" smtClean="0"/>
+              <a:t>ứng</a:t>
+            </a:r>
+            <a:r>
+              <a:rPr lang="en-US" sz="3600" dirty="0" smtClean="0"/>
+              <a:t> </a:t>
+            </a:r>
+            <a:r>
+              <a:rPr lang="en-US" sz="3600" dirty="0" err="1" smtClean="0"/>
+              <a:t>được</a:t>
+            </a:r>
+            <a:r>
+              <a:rPr lang="en-US" sz="3600" dirty="0" smtClean="0"/>
+              <a:t> </a:t>
+            </a:r>
+            <a:r>
+              <a:rPr lang="en-US" sz="3600" dirty="0" err="1" smtClean="0"/>
+              <a:t>đủ</a:t>
+            </a:r>
+            <a:r>
+              <a:rPr lang="en-US" sz="3600" dirty="0" smtClean="0"/>
+              <a:t> </a:t>
+            </a:r>
+            <a:r>
+              <a:rPr lang="en-US" sz="3600" dirty="0" err="1" smtClean="0"/>
+              <a:t>yêu</a:t>
+            </a:r>
+            <a:r>
+              <a:rPr lang="en-US" sz="3600" dirty="0" smtClean="0"/>
+              <a:t> </a:t>
+            </a:r>
+            <a:r>
+              <a:rPr lang="en-US" sz="3600" dirty="0" err="1" smtClean="0"/>
+              <a:t>cầu</a:t>
+            </a:r>
+            <a:r>
+              <a:rPr lang="en-US" sz="3600" dirty="0" smtClean="0"/>
+              <a:t> </a:t>
+            </a:r>
+            <a:r>
+              <a:rPr lang="en-US" sz="3600" dirty="0" err="1" smtClean="0"/>
+              <a:t>của</a:t>
+            </a:r>
+            <a:r>
+              <a:rPr lang="en-US" sz="3600" dirty="0" smtClean="0"/>
+              <a:t> </a:t>
+            </a:r>
+            <a:r>
+              <a:rPr lang="en-US" sz="3600" dirty="0" err="1" smtClean="0"/>
+              <a:t>một</a:t>
+            </a:r>
+            <a:r>
+              <a:rPr lang="en-US" sz="3600" dirty="0" smtClean="0"/>
+              <a:t> HHTRQĐLS.</a:t>
+            </a:r>
+          </a:p>
+          <a:p>
+            <a:r>
+              <a:rPr lang="en-US" sz="3600" dirty="0" err="1" smtClean="0"/>
+              <a:t>Cài</a:t>
+            </a:r>
+            <a:r>
+              <a:rPr lang="en-US" sz="3600" dirty="0" smtClean="0"/>
+              <a:t> </a:t>
+            </a:r>
+            <a:r>
+              <a:rPr lang="en-US" sz="3600" dirty="0" err="1" smtClean="0"/>
+              <a:t>đặt</a:t>
+            </a:r>
+            <a:r>
+              <a:rPr lang="en-US" sz="3600" dirty="0" smtClean="0"/>
+              <a:t> </a:t>
+            </a:r>
+            <a:r>
+              <a:rPr lang="en-US" sz="3600" dirty="0" err="1" smtClean="0"/>
+              <a:t>thành</a:t>
+            </a:r>
+            <a:r>
+              <a:rPr lang="en-US" sz="3600" dirty="0" smtClean="0"/>
+              <a:t> </a:t>
+            </a:r>
+            <a:r>
+              <a:rPr lang="en-US" sz="3600" dirty="0" err="1" smtClean="0"/>
+              <a:t>công</a:t>
+            </a:r>
+            <a:r>
+              <a:rPr lang="en-US" sz="3600" dirty="0" smtClean="0"/>
+              <a:t> </a:t>
+            </a:r>
+            <a:r>
+              <a:rPr lang="en-US" sz="3600" dirty="0" err="1" smtClean="0"/>
+              <a:t>giải</a:t>
+            </a:r>
+            <a:r>
+              <a:rPr lang="en-US" sz="3600" dirty="0" smtClean="0"/>
+              <a:t> </a:t>
+            </a:r>
+            <a:r>
+              <a:rPr lang="en-US" sz="3600" dirty="0" err="1" smtClean="0"/>
+              <a:t>thuật</a:t>
+            </a:r>
+            <a:r>
+              <a:rPr lang="en-US" sz="3600" dirty="0" smtClean="0"/>
+              <a:t> Naïve </a:t>
+            </a:r>
+            <a:r>
+              <a:rPr lang="en-US" sz="3600" dirty="0" err="1" smtClean="0"/>
+              <a:t>Bayes</a:t>
+            </a:r>
+            <a:r>
+              <a:rPr lang="en-US" sz="3600" dirty="0" smtClean="0"/>
+              <a:t> </a:t>
+            </a:r>
+            <a:r>
+              <a:rPr lang="en-US" sz="3600" dirty="0" err="1" smtClean="0"/>
+              <a:t>và</a:t>
+            </a:r>
+            <a:r>
+              <a:rPr lang="en-US" sz="3600" dirty="0" smtClean="0"/>
+              <a:t> C4.5</a:t>
+            </a:r>
             <a:endParaRPr lang="en-US" sz="3600" dirty="0"/>
           </a:p>
         </p:txBody>
@@ -34650,7 +33127,7 @@
             <a:fld id="{363E45C6-9571-4178-A8DA-81C5BD399E46}" type="datetime1">
               <a:rPr lang="vi-VN" smtClean="0"/>
               <a:pPr/>
-              <a:t>06/03/2013</a:t>
+              <a:t>08/03/2013</a:t>
             </a:fld>
             <a:endParaRPr lang="en-US"/>
           </a:p>
@@ -34680,1064 +33157,6 @@
           </a:p>
         </p:txBody>
       </p:sp>
-      <p:sp>
-        <p:nvSpPr>
-          <p:cNvPr id="6" name="Content Placeholder 2"/>
-          <p:cNvSpPr txBox="1">
-            <a:spLocks/>
-          </p:cNvSpPr>
-          <p:nvPr/>
-        </p:nvSpPr>
-        <p:spPr>
-          <a:xfrm>
-            <a:off x="609600" y="2087880"/>
-            <a:ext cx="8229600" cy="4389120"/>
-          </a:xfrm>
-          <a:prstGeom prst="rect">
-            <a:avLst/>
-          </a:prstGeom>
-        </p:spPr>
-        <p:txBody>
-          <a:bodyPr vert="horz">
-            <a:noAutofit/>
-          </a:bodyPr>
-          <a:lstStyle/>
-          <a:p>
-            <a:pPr marL="274320" marR="0" lvl="0" indent="-274320" algn="l" defTabSz="914400" rtl="0" eaLnBrk="1" fontAlgn="auto" latinLnBrk="0" hangingPunct="1">
-              <a:lnSpc>
-                <a:spcPct val="100000"/>
-              </a:lnSpc>
-              <a:spcBef>
-                <a:spcPct val="20000"/>
-              </a:spcBef>
-              <a:spcAft>
-                <a:spcPts val="0"/>
-              </a:spcAft>
-              <a:buClr>
-                <a:schemeClr val="accent3"/>
-              </a:buClr>
-              <a:buSzPct val="95000"/>
-              <a:buFont typeface="Wingdings 2"/>
-              <a:buNone/>
-              <a:tabLst/>
-              <a:defRPr/>
-            </a:pPr>
-            <a:r>
-              <a:rPr kumimoji="0" lang="en-US" sz="4000" b="0" i="0" u="none" strike="noStrike" kern="1200" cap="none" spc="0" normalizeH="0" baseline="0" noProof="0" dirty="0" smtClean="0">
-                <a:ln>
-                  <a:noFill/>
-                </a:ln>
-                <a:solidFill>
-                  <a:schemeClr val="tx1"/>
-                </a:solidFill>
-                <a:effectLst/>
-                <a:uLnTx/>
-                <a:uFillTx/>
-                <a:latin typeface="+mn-lt"/>
-                <a:ea typeface="+mn-ea"/>
-                <a:cs typeface="+mn-cs"/>
-              </a:rPr>
-              <a:t>	</a:t>
-            </a:r>
-            <a:endParaRPr kumimoji="0" lang="en-US" sz="4000" b="0" i="0" u="none" strike="noStrike" kern="1200" cap="none" spc="0" normalizeH="0" baseline="0" noProof="0" dirty="0">
-              <a:ln>
-                <a:noFill/>
-              </a:ln>
-              <a:solidFill>
-                <a:schemeClr val="tx1"/>
-              </a:solidFill>
-              <a:effectLst/>
-              <a:uLnTx/>
-              <a:uFillTx/>
-              <a:latin typeface="+mn-lt"/>
-              <a:ea typeface="+mn-ea"/>
-              <a:cs typeface="+mn-cs"/>
-            </a:endParaRPr>
-          </a:p>
-        </p:txBody>
-      </p:sp>
-      <p:graphicFrame>
-        <p:nvGraphicFramePr>
-          <p:cNvPr id="8" name="Table 7"/>
-          <p:cNvGraphicFramePr>
-            <a:graphicFrameLocks noGrp="1"/>
-          </p:cNvGraphicFramePr>
-          <p:nvPr/>
-        </p:nvGraphicFramePr>
-        <p:xfrm>
-          <a:off x="990600" y="2667000"/>
-          <a:ext cx="6858000" cy="3657600"/>
-        </p:xfrm>
-        <a:graphic>
-          <a:graphicData uri="http://schemas.openxmlformats.org/drawingml/2006/table">
-            <a:tbl>
-              <a:tblPr firstRow="1" bandRow="1">
-                <a:tableStyleId>{5C22544A-7EE6-4342-B048-85BDC9FD1C3A}</a:tableStyleId>
-              </a:tblPr>
-              <a:tblGrid>
-                <a:gridCol w="1714500"/>
-                <a:gridCol w="1714500"/>
-                <a:gridCol w="1714500"/>
-                <a:gridCol w="1714500"/>
-              </a:tblGrid>
-              <a:tr h="365760">
-                <a:tc>
-                  <a:txBody>
-                    <a:bodyPr/>
-                    <a:lstStyle/>
-                    <a:p>
-                      <a:pPr algn="ctr"/>
-                      <a:endParaRPr lang="en-US" sz="1800" dirty="0">
-                        <a:latin typeface="Constantia (Body)"/>
-                      </a:endParaRPr>
-                    </a:p>
-                  </a:txBody>
-                  <a:tcPr/>
-                </a:tc>
-                <a:tc>
-                  <a:txBody>
-                    <a:bodyPr/>
-                    <a:lstStyle/>
-                    <a:p>
-                      <a:pPr algn="ctr"/>
-                      <a:r>
-                        <a:rPr lang="en-US" sz="1800" dirty="0" err="1" smtClean="0">
-                          <a:latin typeface="Constantia (Body)"/>
-                        </a:rPr>
-                        <a:t>Bộ</a:t>
-                      </a:r>
-                      <a:r>
-                        <a:rPr lang="en-US" sz="1800" baseline="0" dirty="0" smtClean="0">
-                          <a:latin typeface="Constantia (Body)"/>
-                        </a:rPr>
-                        <a:t> 1</a:t>
-                      </a:r>
-                      <a:endParaRPr lang="en-US" sz="1800" dirty="0">
-                        <a:latin typeface="Constantia (Body)"/>
-                      </a:endParaRPr>
-                    </a:p>
-                  </a:txBody>
-                  <a:tcPr/>
-                </a:tc>
-                <a:tc>
-                  <a:txBody>
-                    <a:bodyPr/>
-                    <a:lstStyle/>
-                    <a:p>
-                      <a:pPr algn="ctr"/>
-                      <a:r>
-                        <a:rPr lang="en-US" sz="1800" dirty="0" err="1" smtClean="0">
-                          <a:latin typeface="Constantia (Body)"/>
-                        </a:rPr>
-                        <a:t>Bộ</a:t>
-                      </a:r>
-                      <a:r>
-                        <a:rPr lang="en-US" sz="1800" baseline="0" dirty="0" smtClean="0">
-                          <a:latin typeface="Constantia (Body)"/>
-                        </a:rPr>
-                        <a:t> 2 </a:t>
-                      </a:r>
-                      <a:endParaRPr lang="en-US" sz="1800" dirty="0">
-                        <a:latin typeface="Constantia (Body)"/>
-                      </a:endParaRPr>
-                    </a:p>
-                  </a:txBody>
-                  <a:tcPr/>
-                </a:tc>
-                <a:tc>
-                  <a:txBody>
-                    <a:bodyPr/>
-                    <a:lstStyle/>
-                    <a:p>
-                      <a:pPr algn="ctr"/>
-                      <a:r>
-                        <a:rPr lang="en-US" sz="1800" dirty="0" err="1" smtClean="0">
-                          <a:latin typeface="Constantia (Body)"/>
-                        </a:rPr>
-                        <a:t>Bộ</a:t>
-                      </a:r>
-                      <a:r>
-                        <a:rPr lang="en-US" sz="1800" baseline="0" dirty="0" smtClean="0">
-                          <a:latin typeface="Constantia (Body)"/>
-                        </a:rPr>
-                        <a:t> 3</a:t>
-                      </a:r>
-                      <a:endParaRPr lang="en-US" sz="1800" dirty="0">
-                        <a:latin typeface="Constantia (Body)"/>
-                      </a:endParaRPr>
-                    </a:p>
-                  </a:txBody>
-                  <a:tcPr/>
-                </a:tc>
-              </a:tr>
-              <a:tr h="345831">
-                <a:tc>
-                  <a:txBody>
-                    <a:bodyPr/>
-                    <a:lstStyle/>
-                    <a:p>
-                      <a:pPr algn="ctr"/>
-                      <a:r>
-                        <a:rPr lang="en-US" sz="1800" dirty="0" smtClean="0">
-                          <a:latin typeface="Constantia (Body)"/>
-                        </a:rPr>
-                        <a:t>True </a:t>
-                      </a:r>
-                      <a:r>
-                        <a:rPr lang="en-US" sz="1800" dirty="0" err="1" smtClean="0">
-                          <a:latin typeface="Constantia (Body)"/>
-                        </a:rPr>
-                        <a:t>Possive</a:t>
-                      </a:r>
-                      <a:endParaRPr lang="en-US" sz="1800" dirty="0">
-                        <a:latin typeface="Constantia (Body)"/>
-                      </a:endParaRPr>
-                    </a:p>
-                  </a:txBody>
-                  <a:tcPr/>
-                </a:tc>
-                <a:tc>
-                  <a:txBody>
-                    <a:bodyPr/>
-                    <a:lstStyle/>
-                    <a:p>
-                      <a:pPr marL="0" marR="0" indent="0" algn="ctr">
-                        <a:lnSpc>
-                          <a:spcPct val="150000"/>
-                        </a:lnSpc>
-                        <a:spcBef>
-                          <a:spcPts val="0"/>
-                        </a:spcBef>
-                        <a:spcAft>
-                          <a:spcPts val="1000"/>
-                        </a:spcAft>
-                      </a:pPr>
-                      <a:r>
-                        <a:rPr lang="en-US" sz="1800" dirty="0">
-                          <a:latin typeface="Constantia (Body)"/>
-                          <a:ea typeface="Calibri"/>
-                          <a:cs typeface="Times New Roman"/>
-                        </a:rPr>
-                        <a:t>132</a:t>
-                      </a:r>
-                    </a:p>
-                  </a:txBody>
-                  <a:tcPr marL="68580" marR="68580" marT="0" marB="0"/>
-                </a:tc>
-                <a:tc>
-                  <a:txBody>
-                    <a:bodyPr/>
-                    <a:lstStyle/>
-                    <a:p>
-                      <a:pPr marL="0" marR="0" indent="0" algn="ctr">
-                        <a:lnSpc>
-                          <a:spcPct val="150000"/>
-                        </a:lnSpc>
-                        <a:spcBef>
-                          <a:spcPts val="0"/>
-                        </a:spcBef>
-                        <a:spcAft>
-                          <a:spcPts val="1000"/>
-                        </a:spcAft>
-                      </a:pPr>
-                      <a:r>
-                        <a:rPr lang="en-US" sz="1800">
-                          <a:latin typeface="Constantia (Body)"/>
-                          <a:ea typeface="Calibri"/>
-                          <a:cs typeface="Times New Roman"/>
-                        </a:rPr>
-                        <a:t>134</a:t>
-                      </a:r>
-                    </a:p>
-                  </a:txBody>
-                  <a:tcPr marL="68580" marR="68580" marT="0" marB="0"/>
-                </a:tc>
-                <a:tc>
-                  <a:txBody>
-                    <a:bodyPr/>
-                    <a:lstStyle/>
-                    <a:p>
-                      <a:pPr marL="0" marR="0" indent="0" algn="ctr">
-                        <a:lnSpc>
-                          <a:spcPct val="150000"/>
-                        </a:lnSpc>
-                        <a:spcBef>
-                          <a:spcPts val="0"/>
-                        </a:spcBef>
-                        <a:spcAft>
-                          <a:spcPts val="1000"/>
-                        </a:spcAft>
-                      </a:pPr>
-                      <a:r>
-                        <a:rPr lang="en-US" sz="1800">
-                          <a:latin typeface="Constantia (Body)"/>
-                          <a:ea typeface="Calibri"/>
-                          <a:cs typeface="Times New Roman"/>
-                        </a:rPr>
-                        <a:t>264</a:t>
-                      </a:r>
-                    </a:p>
-                  </a:txBody>
-                  <a:tcPr marL="68580" marR="68580" marT="0" marB="0"/>
-                </a:tc>
-              </a:tr>
-              <a:tr h="345831">
-                <a:tc>
-                  <a:txBody>
-                    <a:bodyPr/>
-                    <a:lstStyle/>
-                    <a:p>
-                      <a:pPr algn="ctr"/>
-                      <a:r>
-                        <a:rPr lang="en-US" sz="1800" dirty="0" smtClean="0">
-                          <a:latin typeface="Constantia (Body)"/>
-                        </a:rPr>
-                        <a:t>True</a:t>
-                      </a:r>
-                      <a:r>
-                        <a:rPr lang="en-US" sz="1800" baseline="0" dirty="0" smtClean="0">
-                          <a:latin typeface="Constantia (Body)"/>
-                        </a:rPr>
-                        <a:t> Negative</a:t>
-                      </a:r>
-                      <a:endParaRPr lang="en-US" sz="1800" dirty="0">
-                        <a:latin typeface="Constantia (Body)"/>
-                      </a:endParaRPr>
-                    </a:p>
-                  </a:txBody>
-                  <a:tcPr/>
-                </a:tc>
-                <a:tc>
-                  <a:txBody>
-                    <a:bodyPr/>
-                    <a:lstStyle/>
-                    <a:p>
-                      <a:pPr marL="0" marR="0" indent="0" algn="ctr">
-                        <a:lnSpc>
-                          <a:spcPct val="150000"/>
-                        </a:lnSpc>
-                        <a:spcBef>
-                          <a:spcPts val="0"/>
-                        </a:spcBef>
-                        <a:spcAft>
-                          <a:spcPts val="1000"/>
-                        </a:spcAft>
-                      </a:pPr>
-                      <a:r>
-                        <a:rPr lang="en-US" sz="1800">
-                          <a:latin typeface="Constantia (Body)"/>
-                          <a:ea typeface="Calibri"/>
-                          <a:cs typeface="Times New Roman"/>
-                        </a:rPr>
-                        <a:t>18</a:t>
-                      </a:r>
-                    </a:p>
-                  </a:txBody>
-                  <a:tcPr marL="68580" marR="68580" marT="0" marB="0"/>
-                </a:tc>
-                <a:tc>
-                  <a:txBody>
-                    <a:bodyPr/>
-                    <a:lstStyle/>
-                    <a:p>
-                      <a:pPr marL="0" marR="0" indent="0" algn="ctr">
-                        <a:lnSpc>
-                          <a:spcPct val="150000"/>
-                        </a:lnSpc>
-                        <a:spcBef>
-                          <a:spcPts val="0"/>
-                        </a:spcBef>
-                        <a:spcAft>
-                          <a:spcPts val="1000"/>
-                        </a:spcAft>
-                      </a:pPr>
-                      <a:r>
-                        <a:rPr lang="en-US" sz="1800">
-                          <a:latin typeface="Constantia (Body)"/>
-                          <a:ea typeface="Calibri"/>
-                          <a:cs typeface="Times New Roman"/>
-                        </a:rPr>
-                        <a:t>0</a:t>
-                      </a:r>
-                    </a:p>
-                  </a:txBody>
-                  <a:tcPr marL="68580" marR="68580" marT="0" marB="0"/>
-                </a:tc>
-                <a:tc>
-                  <a:txBody>
-                    <a:bodyPr/>
-                    <a:lstStyle/>
-                    <a:p>
-                      <a:pPr marL="0" marR="0" indent="0" algn="ctr">
-                        <a:lnSpc>
-                          <a:spcPct val="150000"/>
-                        </a:lnSpc>
-                        <a:spcBef>
-                          <a:spcPts val="0"/>
-                        </a:spcBef>
-                        <a:spcAft>
-                          <a:spcPts val="1000"/>
-                        </a:spcAft>
-                      </a:pPr>
-                      <a:r>
-                        <a:rPr lang="en-US" sz="1800">
-                          <a:latin typeface="Constantia (Body)"/>
-                          <a:ea typeface="Calibri"/>
-                          <a:cs typeface="Times New Roman"/>
-                        </a:rPr>
-                        <a:t>0</a:t>
-                      </a:r>
-                    </a:p>
-                  </a:txBody>
-                  <a:tcPr marL="68580" marR="68580" marT="0" marB="0"/>
-                </a:tc>
-              </a:tr>
-              <a:tr h="345831">
-                <a:tc>
-                  <a:txBody>
-                    <a:bodyPr/>
-                    <a:lstStyle/>
-                    <a:p>
-                      <a:pPr algn="ctr"/>
-                      <a:r>
-                        <a:rPr lang="en-US" sz="1800" dirty="0" smtClean="0">
-                          <a:latin typeface="Constantia (Body)"/>
-                        </a:rPr>
-                        <a:t>False</a:t>
-                      </a:r>
-                      <a:r>
-                        <a:rPr lang="en-US" sz="1800" baseline="0" dirty="0" smtClean="0">
-                          <a:latin typeface="Constantia (Body)"/>
-                        </a:rPr>
-                        <a:t> </a:t>
-                      </a:r>
-                      <a:r>
-                        <a:rPr lang="en-US" sz="1800" baseline="0" dirty="0" err="1" smtClean="0">
-                          <a:latin typeface="Constantia (Body)"/>
-                        </a:rPr>
-                        <a:t>Possive</a:t>
-                      </a:r>
-                      <a:endParaRPr lang="en-US" sz="1800" dirty="0">
-                        <a:latin typeface="Constantia (Body)"/>
-                      </a:endParaRPr>
-                    </a:p>
-                  </a:txBody>
-                  <a:tcPr/>
-                </a:tc>
-                <a:tc>
-                  <a:txBody>
-                    <a:bodyPr/>
-                    <a:lstStyle/>
-                    <a:p>
-                      <a:pPr marL="0" marR="0" indent="0" algn="ctr">
-                        <a:lnSpc>
-                          <a:spcPct val="150000"/>
-                        </a:lnSpc>
-                        <a:spcBef>
-                          <a:spcPts val="0"/>
-                        </a:spcBef>
-                        <a:spcAft>
-                          <a:spcPts val="1000"/>
-                        </a:spcAft>
-                      </a:pPr>
-                      <a:r>
-                        <a:rPr lang="en-US" sz="1800">
-                          <a:latin typeface="Constantia (Body)"/>
-                          <a:ea typeface="Calibri"/>
-                          <a:cs typeface="Times New Roman"/>
-                        </a:rPr>
-                        <a:t>0</a:t>
-                      </a:r>
-                    </a:p>
-                  </a:txBody>
-                  <a:tcPr marL="68580" marR="68580" marT="0" marB="0"/>
-                </a:tc>
-                <a:tc>
-                  <a:txBody>
-                    <a:bodyPr/>
-                    <a:lstStyle/>
-                    <a:p>
-                      <a:pPr marL="0" marR="0" indent="0" algn="ctr">
-                        <a:lnSpc>
-                          <a:spcPct val="150000"/>
-                        </a:lnSpc>
-                        <a:spcBef>
-                          <a:spcPts val="0"/>
-                        </a:spcBef>
-                        <a:spcAft>
-                          <a:spcPts val="1000"/>
-                        </a:spcAft>
-                      </a:pPr>
-                      <a:r>
-                        <a:rPr lang="en-US" sz="1800">
-                          <a:latin typeface="Constantia (Body)"/>
-                          <a:ea typeface="Calibri"/>
-                          <a:cs typeface="Times New Roman"/>
-                        </a:rPr>
-                        <a:t>16</a:t>
-                      </a:r>
-                    </a:p>
-                  </a:txBody>
-                  <a:tcPr marL="68580" marR="68580" marT="0" marB="0"/>
-                </a:tc>
-                <a:tc>
-                  <a:txBody>
-                    <a:bodyPr/>
-                    <a:lstStyle/>
-                    <a:p>
-                      <a:pPr marL="0" marR="0" indent="0" algn="ctr">
-                        <a:lnSpc>
-                          <a:spcPct val="150000"/>
-                        </a:lnSpc>
-                        <a:spcBef>
-                          <a:spcPts val="0"/>
-                        </a:spcBef>
-                        <a:spcAft>
-                          <a:spcPts val="1000"/>
-                        </a:spcAft>
-                      </a:pPr>
-                      <a:r>
-                        <a:rPr lang="en-US" sz="1800">
-                          <a:latin typeface="Constantia (Body)"/>
-                          <a:ea typeface="Calibri"/>
-                          <a:cs typeface="Times New Roman"/>
-                        </a:rPr>
-                        <a:t>36</a:t>
-                      </a:r>
-                    </a:p>
-                  </a:txBody>
-                  <a:tcPr marL="68580" marR="68580" marT="0" marB="0"/>
-                </a:tc>
-              </a:tr>
-              <a:tr h="345831">
-                <a:tc>
-                  <a:txBody>
-                    <a:bodyPr/>
-                    <a:lstStyle/>
-                    <a:p>
-                      <a:pPr algn="ctr"/>
-                      <a:r>
-                        <a:rPr lang="en-US" sz="1800" dirty="0" smtClean="0">
-                          <a:latin typeface="Constantia (Body)"/>
-                        </a:rPr>
-                        <a:t>False Negative</a:t>
-                      </a:r>
-                      <a:endParaRPr lang="en-US" sz="1800" dirty="0">
-                        <a:latin typeface="Constantia (Body)"/>
-                      </a:endParaRPr>
-                    </a:p>
-                  </a:txBody>
-                  <a:tcPr/>
-                </a:tc>
-                <a:tc>
-                  <a:txBody>
-                    <a:bodyPr/>
-                    <a:lstStyle/>
-                    <a:p>
-                      <a:pPr marL="0" marR="0" indent="0" algn="ctr">
-                        <a:lnSpc>
-                          <a:spcPct val="150000"/>
-                        </a:lnSpc>
-                        <a:spcBef>
-                          <a:spcPts val="0"/>
-                        </a:spcBef>
-                        <a:spcAft>
-                          <a:spcPts val="1000"/>
-                        </a:spcAft>
-                      </a:pPr>
-                      <a:r>
-                        <a:rPr lang="en-US" sz="1800">
-                          <a:latin typeface="Constantia (Body)"/>
-                          <a:ea typeface="Calibri"/>
-                          <a:cs typeface="Times New Roman"/>
-                        </a:rPr>
-                        <a:t>18</a:t>
-                      </a:r>
-                    </a:p>
-                  </a:txBody>
-                  <a:tcPr marL="68580" marR="68580" marT="0" marB="0"/>
-                </a:tc>
-                <a:tc>
-                  <a:txBody>
-                    <a:bodyPr/>
-                    <a:lstStyle/>
-                    <a:p>
-                      <a:pPr marL="0" marR="0" indent="0" algn="ctr">
-                        <a:lnSpc>
-                          <a:spcPct val="150000"/>
-                        </a:lnSpc>
-                        <a:spcBef>
-                          <a:spcPts val="0"/>
-                        </a:spcBef>
-                        <a:spcAft>
-                          <a:spcPts val="1000"/>
-                        </a:spcAft>
-                      </a:pPr>
-                      <a:r>
-                        <a:rPr lang="en-US" sz="1800">
-                          <a:latin typeface="Constantia (Body)"/>
-                          <a:ea typeface="Calibri"/>
-                          <a:cs typeface="Times New Roman"/>
-                        </a:rPr>
-                        <a:t>0</a:t>
-                      </a:r>
-                    </a:p>
-                  </a:txBody>
-                  <a:tcPr marL="68580" marR="68580" marT="0" marB="0"/>
-                </a:tc>
-                <a:tc>
-                  <a:txBody>
-                    <a:bodyPr/>
-                    <a:lstStyle/>
-                    <a:p>
-                      <a:pPr marL="0" marR="0" indent="0" algn="ctr">
-                        <a:lnSpc>
-                          <a:spcPct val="150000"/>
-                        </a:lnSpc>
-                        <a:spcBef>
-                          <a:spcPts val="0"/>
-                        </a:spcBef>
-                        <a:spcAft>
-                          <a:spcPts val="1000"/>
-                        </a:spcAft>
-                      </a:pPr>
-                      <a:r>
-                        <a:rPr lang="en-US" sz="1800">
-                          <a:latin typeface="Constantia (Body)"/>
-                          <a:ea typeface="Calibri"/>
-                          <a:cs typeface="Times New Roman"/>
-                        </a:rPr>
-                        <a:t>0</a:t>
-                      </a:r>
-                    </a:p>
-                  </a:txBody>
-                  <a:tcPr marL="68580" marR="68580" marT="0" marB="0"/>
-                </a:tc>
-              </a:tr>
-              <a:tr h="345831">
-                <a:tc>
-                  <a:txBody>
-                    <a:bodyPr/>
-                    <a:lstStyle/>
-                    <a:p>
-                      <a:pPr algn="ctr"/>
-                      <a:r>
-                        <a:rPr lang="en-US" sz="1800" dirty="0" smtClean="0">
-                          <a:latin typeface="Constantia (Body)"/>
-                        </a:rPr>
-                        <a:t>Precision</a:t>
-                      </a:r>
-                      <a:endParaRPr lang="en-US" sz="1800" dirty="0">
-                        <a:latin typeface="Constantia (Body)"/>
-                      </a:endParaRPr>
-                    </a:p>
-                  </a:txBody>
-                  <a:tcPr/>
-                </a:tc>
-                <a:tc>
-                  <a:txBody>
-                    <a:bodyPr/>
-                    <a:lstStyle/>
-                    <a:p>
-                      <a:pPr marL="0" marR="0" indent="0" algn="ctr">
-                        <a:lnSpc>
-                          <a:spcPct val="150000"/>
-                        </a:lnSpc>
-                        <a:spcBef>
-                          <a:spcPts val="0"/>
-                        </a:spcBef>
-                        <a:spcAft>
-                          <a:spcPts val="1000"/>
-                        </a:spcAft>
-                      </a:pPr>
-                      <a:r>
-                        <a:rPr lang="en-US" sz="1800">
-                          <a:latin typeface="Constantia (Body)"/>
-                          <a:ea typeface="Calibri"/>
-                          <a:cs typeface="Times New Roman"/>
-                        </a:rPr>
-                        <a:t>0.88</a:t>
-                      </a:r>
-                    </a:p>
-                  </a:txBody>
-                  <a:tcPr marL="68580" marR="68580" marT="0" marB="0"/>
-                </a:tc>
-                <a:tc>
-                  <a:txBody>
-                    <a:bodyPr/>
-                    <a:lstStyle/>
-                    <a:p>
-                      <a:pPr marL="0" marR="0" indent="0" algn="ctr">
-                        <a:lnSpc>
-                          <a:spcPct val="150000"/>
-                        </a:lnSpc>
-                        <a:spcBef>
-                          <a:spcPts val="0"/>
-                        </a:spcBef>
-                        <a:spcAft>
-                          <a:spcPts val="1000"/>
-                        </a:spcAft>
-                      </a:pPr>
-                      <a:r>
-                        <a:rPr lang="en-US" sz="1800">
-                          <a:latin typeface="Constantia (Body)"/>
-                          <a:ea typeface="Calibri"/>
-                          <a:cs typeface="Times New Roman"/>
-                        </a:rPr>
-                        <a:t>0.893</a:t>
-                      </a:r>
-                    </a:p>
-                  </a:txBody>
-                  <a:tcPr marL="68580" marR="68580" marT="0" marB="0"/>
-                </a:tc>
-                <a:tc>
-                  <a:txBody>
-                    <a:bodyPr/>
-                    <a:lstStyle/>
-                    <a:p>
-                      <a:pPr marL="0" marR="0" indent="0" algn="ctr">
-                        <a:lnSpc>
-                          <a:spcPct val="150000"/>
-                        </a:lnSpc>
-                        <a:spcBef>
-                          <a:spcPts val="0"/>
-                        </a:spcBef>
-                        <a:spcAft>
-                          <a:spcPts val="1000"/>
-                        </a:spcAft>
-                      </a:pPr>
-                      <a:r>
-                        <a:rPr lang="en-US" sz="1800">
-                          <a:latin typeface="Constantia (Body)"/>
-                          <a:ea typeface="Calibri"/>
-                          <a:cs typeface="Times New Roman"/>
-                        </a:rPr>
-                        <a:t>0.88</a:t>
-                      </a:r>
-                    </a:p>
-                  </a:txBody>
-                  <a:tcPr marL="68580" marR="68580" marT="0" marB="0"/>
-                </a:tc>
-              </a:tr>
-              <a:tr h="345831">
-                <a:tc>
-                  <a:txBody>
-                    <a:bodyPr/>
-                    <a:lstStyle/>
-                    <a:p>
-                      <a:pPr algn="ctr"/>
-                      <a:r>
-                        <a:rPr lang="en-US" sz="1800" dirty="0" smtClean="0">
-                          <a:latin typeface="Constantia (Body)"/>
-                        </a:rPr>
-                        <a:t>Recall</a:t>
-                      </a:r>
-                      <a:endParaRPr lang="en-US" sz="1800" dirty="0">
-                        <a:latin typeface="Constantia (Body)"/>
-                      </a:endParaRPr>
-                    </a:p>
-                  </a:txBody>
-                  <a:tcPr/>
-                </a:tc>
-                <a:tc>
-                  <a:txBody>
-                    <a:bodyPr/>
-                    <a:lstStyle/>
-                    <a:p>
-                      <a:pPr marL="0" marR="0" indent="0" algn="ctr">
-                        <a:lnSpc>
-                          <a:spcPct val="150000"/>
-                        </a:lnSpc>
-                        <a:spcBef>
-                          <a:spcPts val="0"/>
-                        </a:spcBef>
-                        <a:spcAft>
-                          <a:spcPts val="1000"/>
-                        </a:spcAft>
-                      </a:pPr>
-                      <a:r>
-                        <a:rPr lang="en-US" sz="1800">
-                          <a:latin typeface="Constantia (Body)"/>
-                          <a:ea typeface="Calibri"/>
-                          <a:cs typeface="Times New Roman"/>
-                        </a:rPr>
-                        <a:t>1</a:t>
-                      </a:r>
-                    </a:p>
-                  </a:txBody>
-                  <a:tcPr marL="68580" marR="68580" marT="0" marB="0"/>
-                </a:tc>
-                <a:tc>
-                  <a:txBody>
-                    <a:bodyPr/>
-                    <a:lstStyle/>
-                    <a:p>
-                      <a:pPr marL="0" marR="0" indent="0" algn="ctr">
-                        <a:lnSpc>
-                          <a:spcPct val="150000"/>
-                        </a:lnSpc>
-                        <a:spcBef>
-                          <a:spcPts val="0"/>
-                        </a:spcBef>
-                        <a:spcAft>
-                          <a:spcPts val="1000"/>
-                        </a:spcAft>
-                      </a:pPr>
-                      <a:r>
-                        <a:rPr lang="en-US" sz="1800">
-                          <a:latin typeface="Constantia (Body)"/>
-                          <a:ea typeface="Calibri"/>
-                          <a:cs typeface="Times New Roman"/>
-                        </a:rPr>
-                        <a:t>1</a:t>
-                      </a:r>
-                    </a:p>
-                  </a:txBody>
-                  <a:tcPr marL="68580" marR="68580" marT="0" marB="0"/>
-                </a:tc>
-                <a:tc>
-                  <a:txBody>
-                    <a:bodyPr/>
-                    <a:lstStyle/>
-                    <a:p>
-                      <a:pPr marL="0" marR="0" indent="0" algn="ctr">
-                        <a:lnSpc>
-                          <a:spcPct val="150000"/>
-                        </a:lnSpc>
-                        <a:spcBef>
-                          <a:spcPts val="0"/>
-                        </a:spcBef>
-                        <a:spcAft>
-                          <a:spcPts val="1000"/>
-                        </a:spcAft>
-                      </a:pPr>
-                      <a:r>
-                        <a:rPr lang="en-US" sz="1800">
-                          <a:latin typeface="Constantia (Body)"/>
-                          <a:ea typeface="Calibri"/>
-                          <a:cs typeface="Times New Roman"/>
-                        </a:rPr>
-                        <a:t>0.88</a:t>
-                      </a:r>
-                    </a:p>
-                  </a:txBody>
-                  <a:tcPr marL="68580" marR="68580" marT="0" marB="0"/>
-                </a:tc>
-              </a:tr>
-              <a:tr h="345831">
-                <a:tc>
-                  <a:txBody>
-                    <a:bodyPr/>
-                    <a:lstStyle/>
-                    <a:p>
-                      <a:pPr algn="ctr"/>
-                      <a:r>
-                        <a:rPr lang="en-US" sz="1800" dirty="0" smtClean="0">
-                          <a:latin typeface="Constantia (Body)"/>
-                        </a:rPr>
-                        <a:t>F – Measure</a:t>
-                      </a:r>
-                      <a:endParaRPr lang="en-US" sz="1800" dirty="0">
-                        <a:latin typeface="Constantia (Body)"/>
-                      </a:endParaRPr>
-                    </a:p>
-                  </a:txBody>
-                  <a:tcPr/>
-                </a:tc>
-                <a:tc>
-                  <a:txBody>
-                    <a:bodyPr/>
-                    <a:lstStyle/>
-                    <a:p>
-                      <a:pPr marL="0" marR="0" indent="0" algn="ctr">
-                        <a:lnSpc>
-                          <a:spcPct val="150000"/>
-                        </a:lnSpc>
-                        <a:spcBef>
-                          <a:spcPts val="0"/>
-                        </a:spcBef>
-                        <a:spcAft>
-                          <a:spcPts val="1000"/>
-                        </a:spcAft>
-                      </a:pPr>
-                      <a:r>
-                        <a:rPr lang="en-US" sz="1800">
-                          <a:latin typeface="Constantia (Body)"/>
-                          <a:ea typeface="Calibri"/>
-                          <a:cs typeface="Times New Roman"/>
-                        </a:rPr>
-                        <a:t>0.936</a:t>
-                      </a:r>
-                    </a:p>
-                  </a:txBody>
-                  <a:tcPr marL="68580" marR="68580" marT="0" marB="0"/>
-                </a:tc>
-                <a:tc>
-                  <a:txBody>
-                    <a:bodyPr/>
-                    <a:lstStyle/>
-                    <a:p>
-                      <a:pPr marL="0" marR="0" indent="0" algn="ctr">
-                        <a:lnSpc>
-                          <a:spcPct val="150000"/>
-                        </a:lnSpc>
-                        <a:spcBef>
-                          <a:spcPts val="0"/>
-                        </a:spcBef>
-                        <a:spcAft>
-                          <a:spcPts val="1000"/>
-                        </a:spcAft>
-                      </a:pPr>
-                      <a:r>
-                        <a:rPr lang="en-US" sz="1800">
-                          <a:latin typeface="Constantia (Body)"/>
-                          <a:ea typeface="Calibri"/>
-                          <a:cs typeface="Times New Roman"/>
-                        </a:rPr>
-                        <a:t>0.943</a:t>
-                      </a:r>
-                    </a:p>
-                  </a:txBody>
-                  <a:tcPr marL="68580" marR="68580" marT="0" marB="0"/>
-                </a:tc>
-                <a:tc>
-                  <a:txBody>
-                    <a:bodyPr/>
-                    <a:lstStyle/>
-                    <a:p>
-                      <a:pPr marL="0" marR="0" indent="0" algn="ctr">
-                        <a:lnSpc>
-                          <a:spcPct val="150000"/>
-                        </a:lnSpc>
-                        <a:spcBef>
-                          <a:spcPts val="0"/>
-                        </a:spcBef>
-                        <a:spcAft>
-                          <a:spcPts val="1000"/>
-                        </a:spcAft>
-                      </a:pPr>
-                      <a:r>
-                        <a:rPr lang="en-US" sz="1800">
-                          <a:latin typeface="Constantia (Body)"/>
-                          <a:ea typeface="Calibri"/>
-                          <a:cs typeface="Times New Roman"/>
-                        </a:rPr>
-                        <a:t>1</a:t>
-                      </a:r>
-                    </a:p>
-                  </a:txBody>
-                  <a:tcPr marL="68580" marR="68580" marT="0" marB="0"/>
-                </a:tc>
-              </a:tr>
-              <a:tr h="345831">
-                <a:tc>
-                  <a:txBody>
-                    <a:bodyPr/>
-                    <a:lstStyle/>
-                    <a:p>
-                      <a:pPr algn="ctr"/>
-                      <a:r>
-                        <a:rPr lang="en-US" sz="1800" dirty="0" smtClean="0">
-                          <a:latin typeface="Constantia (Body)"/>
-                        </a:rPr>
-                        <a:t>Accuracy</a:t>
-                      </a:r>
-                      <a:endParaRPr lang="en-US" sz="1800" dirty="0">
-                        <a:latin typeface="Constantia (Body)"/>
-                      </a:endParaRPr>
-                    </a:p>
-                  </a:txBody>
-                  <a:tcPr/>
-                </a:tc>
-                <a:tc>
-                  <a:txBody>
-                    <a:bodyPr/>
-                    <a:lstStyle/>
-                    <a:p>
-                      <a:pPr marL="0" marR="0" indent="0" algn="ctr">
-                        <a:lnSpc>
-                          <a:spcPct val="150000"/>
-                        </a:lnSpc>
-                        <a:spcBef>
-                          <a:spcPts val="0"/>
-                        </a:spcBef>
-                        <a:spcAft>
-                          <a:spcPts val="1000"/>
-                        </a:spcAft>
-                      </a:pPr>
-                      <a:r>
-                        <a:rPr lang="en-US" sz="1800">
-                          <a:latin typeface="Constantia (Body)"/>
-                          <a:ea typeface="Calibri"/>
-                          <a:cs typeface="Times New Roman"/>
-                        </a:rPr>
-                        <a:t>0.88</a:t>
-                      </a:r>
-                    </a:p>
-                  </a:txBody>
-                  <a:tcPr marL="68580" marR="68580" marT="0" marB="0"/>
-                </a:tc>
-                <a:tc>
-                  <a:txBody>
-                    <a:bodyPr/>
-                    <a:lstStyle/>
-                    <a:p>
-                      <a:pPr marL="0" marR="0" indent="0" algn="ctr">
-                        <a:lnSpc>
-                          <a:spcPct val="150000"/>
-                        </a:lnSpc>
-                        <a:spcBef>
-                          <a:spcPts val="0"/>
-                        </a:spcBef>
-                        <a:spcAft>
-                          <a:spcPts val="1000"/>
-                        </a:spcAft>
-                      </a:pPr>
-                      <a:r>
-                        <a:rPr lang="en-US" sz="1800">
-                          <a:latin typeface="Constantia (Body)"/>
-                          <a:ea typeface="Calibri"/>
-                          <a:cs typeface="Times New Roman"/>
-                        </a:rPr>
-                        <a:t>0.893</a:t>
-                      </a:r>
-                    </a:p>
-                  </a:txBody>
-                  <a:tcPr marL="68580" marR="68580" marT="0" marB="0"/>
-                </a:tc>
-                <a:tc>
-                  <a:txBody>
-                    <a:bodyPr/>
-                    <a:lstStyle/>
-                    <a:p>
-                      <a:pPr marL="0" marR="0" indent="0" algn="ctr">
-                        <a:lnSpc>
-                          <a:spcPct val="150000"/>
-                        </a:lnSpc>
-                        <a:spcBef>
-                          <a:spcPts val="0"/>
-                        </a:spcBef>
-                        <a:spcAft>
-                          <a:spcPts val="1000"/>
-                        </a:spcAft>
-                      </a:pPr>
-                      <a:r>
-                        <a:rPr lang="en-US" sz="1800" dirty="0">
-                          <a:latin typeface="Constantia (Body)"/>
-                          <a:ea typeface="Calibri"/>
-                          <a:cs typeface="Times New Roman"/>
-                        </a:rPr>
-                        <a:t>0.936</a:t>
-                      </a:r>
-                    </a:p>
-                  </a:txBody>
-                  <a:tcPr marL="68580" marR="68580" marT="0" marB="0"/>
-                </a:tc>
-              </a:tr>
-            </a:tbl>
-          </a:graphicData>
-        </a:graphic>
-      </p:graphicFrame>
     </p:spTree>
   </p:cSld>
   <p:clrMapOvr>
@@ -35836,7 +33255,12 @@
             <p:ph idx="1"/>
           </p:nvPr>
         </p:nvSpPr>
-        <p:spPr/>
+        <p:spPr>
+          <a:xfrm>
+            <a:off x="457200" y="1905000"/>
+            <a:ext cx="8229600" cy="4389120"/>
+          </a:xfrm>
+        </p:spPr>
         <p:txBody>
           <a:bodyPr anchor="t">
             <a:noAutofit/>
@@ -35852,7 +33276,7 @@
             </a:r>
             <a:r>
               <a:rPr lang="en-US" sz="3600" dirty="0" err="1" smtClean="0"/>
-              <a:t>Đánh</a:t>
+              <a:t>Hạn</a:t>
             </a:r>
             <a:r>
               <a:rPr lang="en-US" sz="3600" dirty="0" smtClean="0"/>
@@ -35860,7 +33284,7 @@
             </a:r>
             <a:r>
               <a:rPr lang="en-US" sz="3600" dirty="0" err="1" smtClean="0"/>
-              <a:t>giá</a:t>
+              <a:t>chế</a:t>
             </a:r>
             <a:r>
               <a:rPr lang="en-US" sz="3600" dirty="0" smtClean="0"/>
@@ -35870,27 +33294,11 @@
           <a:p>
             <a:r>
               <a:rPr lang="en-US" sz="3600" dirty="0" smtClean="0"/>
-              <a:t>Do </a:t>
+              <a:t> </a:t>
             </a:r>
             <a:r>
               <a:rPr lang="en-US" sz="3600" dirty="0" err="1" smtClean="0"/>
-              <a:t>đặc</a:t>
-            </a:r>
-            <a:r>
-              <a:rPr lang="en-US" sz="3600" dirty="0" smtClean="0"/>
-              <a:t> </a:t>
-            </a:r>
-            <a:r>
-              <a:rPr lang="en-US" sz="3600" dirty="0" err="1" smtClean="0"/>
-              <a:t>thù</a:t>
-            </a:r>
-            <a:r>
-              <a:rPr lang="en-US" sz="3600" dirty="0" smtClean="0"/>
-              <a:t> </a:t>
-            </a:r>
-            <a:r>
-              <a:rPr lang="en-US" sz="3600" dirty="0" err="1" smtClean="0"/>
-              <a:t>dữ</a:t>
+              <a:t>Dữ</a:t>
             </a:r>
             <a:r>
               <a:rPr lang="en-US" sz="3600" dirty="0" smtClean="0"/>
@@ -35906,7 +33314,7 @@
             </a:r>
             <a:r>
               <a:rPr lang="en-US" sz="3600" dirty="0" err="1" smtClean="0"/>
-              <a:t>nên</a:t>
+              <a:t>thu</a:t>
             </a:r>
             <a:r>
               <a:rPr lang="en-US" sz="3600" dirty="0" smtClean="0"/>
@@ -35914,7 +33322,7 @@
             </a:r>
             <a:r>
               <a:rPr lang="en-US" sz="3600" dirty="0" err="1" smtClean="0"/>
-              <a:t>giải</a:t>
+              <a:t>thập</a:t>
             </a:r>
             <a:r>
               <a:rPr lang="en-US" sz="3600" dirty="0" smtClean="0"/>
@@ -35922,7 +33330,7 @@
             </a:r>
             <a:r>
               <a:rPr lang="en-US" sz="3600" dirty="0" err="1" smtClean="0"/>
-              <a:t>thuật</a:t>
+              <a:t>không</a:t>
             </a:r>
             <a:r>
               <a:rPr lang="en-US" sz="3600" dirty="0" smtClean="0"/>
@@ -35930,7 +33338,116 @@
             </a:r>
             <a:r>
               <a:rPr lang="en-US" sz="3600" dirty="0" err="1" smtClean="0"/>
-              <a:t>chưa</a:t>
+              <a:t>đầy</a:t>
+            </a:r>
+            <a:r>
+              <a:rPr lang="en-US" sz="3600" dirty="0" smtClean="0"/>
+              <a:t> </a:t>
+            </a:r>
+            <a:r>
+              <a:rPr lang="en-US" sz="3600" smtClean="0"/>
+              <a:t>đủ</a:t>
+            </a:r>
+            <a:r>
+              <a:rPr lang="en-US" sz="3600" smtClean="0"/>
+              <a:t>.</a:t>
+            </a:r>
+            <a:endParaRPr lang="en-US" sz="3600" dirty="0" smtClean="0"/>
+          </a:p>
+          <a:p>
+            <a:r>
+              <a:rPr lang="en-US" sz="3600" dirty="0" smtClean="0"/>
+              <a:t> </a:t>
+            </a:r>
+            <a:r>
+              <a:rPr lang="en-US" sz="3600" dirty="0" err="1" smtClean="0"/>
+              <a:t>Dữ</a:t>
+            </a:r>
+            <a:r>
+              <a:rPr lang="en-US" sz="3600" dirty="0" smtClean="0"/>
+              <a:t> </a:t>
+            </a:r>
+            <a:r>
+              <a:rPr lang="en-US" sz="3600" dirty="0" err="1" smtClean="0"/>
+              <a:t>liệu</a:t>
+            </a:r>
+            <a:r>
+              <a:rPr lang="en-US" sz="3600" dirty="0" smtClean="0"/>
+              <a:t> </a:t>
+            </a:r>
+            <a:r>
+              <a:rPr lang="en-US" sz="3600" dirty="0" err="1" smtClean="0"/>
+              <a:t>phân</a:t>
+            </a:r>
+            <a:r>
+              <a:rPr lang="en-US" sz="3600" dirty="0" smtClean="0"/>
+              <a:t> </a:t>
+            </a:r>
+            <a:r>
+              <a:rPr lang="en-US" sz="3600" dirty="0" err="1" smtClean="0"/>
+              <a:t>lớp</a:t>
+            </a:r>
+            <a:r>
+              <a:rPr lang="en-US" sz="3600" dirty="0" smtClean="0"/>
+              <a:t> </a:t>
+            </a:r>
+            <a:r>
+              <a:rPr lang="en-US" sz="3600" dirty="0" err="1" smtClean="0"/>
+              <a:t>không</a:t>
+            </a:r>
+            <a:r>
+              <a:rPr lang="en-US" sz="3600" dirty="0" smtClean="0"/>
+              <a:t> </a:t>
+            </a:r>
+            <a:r>
+              <a:rPr lang="en-US" sz="3600" dirty="0" err="1" smtClean="0"/>
+              <a:t>đồng</a:t>
+            </a:r>
+            <a:r>
+              <a:rPr lang="en-US" sz="3600" dirty="0" smtClean="0"/>
+              <a:t> </a:t>
+            </a:r>
+            <a:r>
+              <a:rPr lang="en-US" sz="3600" dirty="0" err="1" smtClean="0"/>
+              <a:t>đều</a:t>
+            </a:r>
+            <a:r>
+              <a:rPr lang="en-US" sz="3600" dirty="0" smtClean="0"/>
+              <a:t>.</a:t>
+            </a:r>
+          </a:p>
+          <a:p>
+            <a:r>
+              <a:rPr lang="en-US" sz="3600" dirty="0" smtClean="0"/>
+              <a:t> </a:t>
+            </a:r>
+            <a:r>
+              <a:rPr lang="en-US" sz="3600" dirty="0" err="1" smtClean="0"/>
+              <a:t>Kết</a:t>
+            </a:r>
+            <a:r>
+              <a:rPr lang="en-US" sz="3600" dirty="0" smtClean="0"/>
+              <a:t> </a:t>
+            </a:r>
+            <a:r>
+              <a:rPr lang="en-US" sz="3600" dirty="0" err="1" smtClean="0"/>
+              <a:t>quả</a:t>
+            </a:r>
+            <a:r>
+              <a:rPr lang="en-US" sz="3600" dirty="0" smtClean="0"/>
+              <a:t> </a:t>
+            </a:r>
+            <a:r>
+              <a:rPr lang="en-US" sz="3600" dirty="0" err="1" smtClean="0"/>
+              <a:t>thu</a:t>
+            </a:r>
+            <a:r>
+              <a:rPr lang="en-US" sz="3600" dirty="0" smtClean="0"/>
+              <a:t> </a:t>
+            </a:r>
+            <a:r>
+              <a:rPr lang="en-US" sz="3600" dirty="0" err="1" smtClean="0"/>
+              <a:t>được</a:t>
             </a:r>
             <a:r>
               <a:rPr lang="en-US" sz="3600" dirty="0" smtClean="0"/>
@@ -35946,7 +33463,7 @@
             </a:r>
             <a:r>
               <a:rPr lang="en-US" sz="3600" dirty="0" err="1" smtClean="0"/>
-              <a:t>lại</a:t>
+              <a:t>tính</a:t>
             </a:r>
             <a:r>
               <a:rPr lang="en-US" sz="3600" dirty="0" smtClean="0"/>
@@ -35954,7 +33471,7 @@
             </a:r>
             <a:r>
               <a:rPr lang="en-US" sz="3600" dirty="0" err="1" smtClean="0"/>
-              <a:t>hiệu</a:t>
+              <a:t>chủ</a:t>
             </a:r>
             <a:r>
               <a:rPr lang="en-US" sz="3600" dirty="0" smtClean="0"/>
@@ -35962,115 +33479,12 @@
             </a:r>
             <a:r>
               <a:rPr lang="en-US" sz="3600" dirty="0" err="1" smtClean="0"/>
-              <a:t>quả</a:t>
+              <a:t>quan</a:t>
             </a:r>
             <a:r>
               <a:rPr lang="en-US" sz="3600" dirty="0" smtClean="0"/>
               <a:t>.</a:t>
             </a:r>
-          </a:p>
-          <a:p>
-            <a:r>
-              <a:rPr lang="en-US" sz="3600" dirty="0" err="1" smtClean="0"/>
-              <a:t>Được</a:t>
-            </a:r>
-            <a:r>
-              <a:rPr lang="en-US" sz="3600" dirty="0" smtClean="0"/>
-              <a:t> </a:t>
-            </a:r>
-            <a:r>
-              <a:rPr lang="en-US" sz="3600" dirty="0" err="1" smtClean="0"/>
-              <a:t>đánh</a:t>
-            </a:r>
-            <a:r>
-              <a:rPr lang="en-US" sz="3600" dirty="0" smtClean="0"/>
-              <a:t> </a:t>
-            </a:r>
-            <a:r>
-              <a:rPr lang="en-US" sz="3600" dirty="0" err="1" smtClean="0"/>
-              <a:t>giá</a:t>
-            </a:r>
-            <a:r>
-              <a:rPr lang="en-US" sz="3600" dirty="0" smtClean="0"/>
-              <a:t> </a:t>
-            </a:r>
-            <a:r>
-              <a:rPr lang="en-US" sz="3600" dirty="0" err="1" smtClean="0"/>
-              <a:t>là</a:t>
-            </a:r>
-            <a:r>
-              <a:rPr lang="en-US" sz="3600" dirty="0" smtClean="0"/>
-              <a:t> </a:t>
-            </a:r>
-            <a:r>
-              <a:rPr lang="en-US" sz="3600" dirty="0" err="1" smtClean="0"/>
-              <a:t>giải</a:t>
-            </a:r>
-            <a:r>
-              <a:rPr lang="en-US" sz="3600" dirty="0" smtClean="0"/>
-              <a:t> </a:t>
-            </a:r>
-            <a:r>
-              <a:rPr lang="en-US" sz="3600" dirty="0" err="1" smtClean="0"/>
-              <a:t>thuật</a:t>
-            </a:r>
-            <a:r>
-              <a:rPr lang="en-US" sz="3600" dirty="0" smtClean="0"/>
-              <a:t> </a:t>
-            </a:r>
-            <a:r>
-              <a:rPr lang="en-US" sz="3600" dirty="0" err="1" smtClean="0"/>
-              <a:t>tốt</a:t>
-            </a:r>
-            <a:r>
-              <a:rPr lang="en-US" sz="3600" dirty="0" smtClean="0"/>
-              <a:t> </a:t>
-            </a:r>
-            <a:r>
-              <a:rPr lang="en-US" sz="3600" dirty="0" err="1" smtClean="0"/>
-              <a:t>như</a:t>
-            </a:r>
-            <a:r>
-              <a:rPr lang="en-US" sz="3600" dirty="0" smtClean="0"/>
-              <a:t> </a:t>
-            </a:r>
-            <a:r>
-              <a:rPr lang="en-US" sz="3600" dirty="0" err="1" smtClean="0"/>
-              <a:t>dữ</a:t>
-            </a:r>
-            <a:r>
-              <a:rPr lang="en-US" sz="3600" dirty="0" smtClean="0"/>
-              <a:t> </a:t>
-            </a:r>
-            <a:r>
-              <a:rPr lang="en-US" sz="3600" dirty="0" err="1" smtClean="0"/>
-              <a:t>liệu</a:t>
-            </a:r>
-            <a:r>
-              <a:rPr lang="en-US" sz="3600" dirty="0" smtClean="0"/>
-              <a:t> </a:t>
-            </a:r>
-            <a:r>
-              <a:rPr lang="en-US" sz="3600" dirty="0" err="1" smtClean="0"/>
-              <a:t>phải</a:t>
-            </a:r>
-            <a:r>
-              <a:rPr lang="en-US" sz="3600" dirty="0" smtClean="0"/>
-              <a:t> </a:t>
-            </a:r>
-            <a:r>
-              <a:rPr lang="en-US" sz="3600" dirty="0" err="1" smtClean="0"/>
-              <a:t>đồng</a:t>
-            </a:r>
-            <a:r>
-              <a:rPr lang="en-US" sz="3600" dirty="0" smtClean="0"/>
-              <a:t> </a:t>
-            </a:r>
-            <a:r>
-              <a:rPr lang="en-US" sz="3600" dirty="0" err="1" smtClean="0"/>
-              <a:t>đều</a:t>
-            </a:r>
-            <a:endParaRPr lang="en-US" sz="3600" dirty="0"/>
           </a:p>
         </p:txBody>
       </p:sp>
@@ -36092,7 +33506,7 @@
             <a:fld id="{363E45C6-9571-4178-A8DA-81C5BD399E46}" type="datetime1">
               <a:rPr lang="vi-VN" smtClean="0"/>
               <a:pPr/>
-              <a:t>06/03/2013</a:t>
+              <a:t>08/03/2013</a:t>
             </a:fld>
             <a:endParaRPr lang="en-US"/>
           </a:p>
@@ -36296,12 +33710,7 @@
             <p:ph idx="1"/>
           </p:nvPr>
         </p:nvSpPr>
-        <p:spPr>
-          <a:xfrm>
-            <a:off x="457200" y="1981200"/>
-            <a:ext cx="8229600" cy="4389120"/>
-          </a:xfrm>
-        </p:spPr>
+        <p:spPr/>
         <p:txBody>
           <a:bodyPr>
             <a:noAutofit/>
@@ -36317,7 +33726,7 @@
             </a:r>
             <a:r>
               <a:rPr lang="en-US" sz="3600" dirty="0" err="1" smtClean="0"/>
-              <a:t>Kết</a:t>
+              <a:t>Hướng</a:t>
             </a:r>
             <a:r>
               <a:rPr lang="en-US" sz="3600" dirty="0" smtClean="0"/>
@@ -36325,22 +33734,25 @@
             </a:r>
             <a:r>
               <a:rPr lang="en-US" sz="3600" dirty="0" err="1" smtClean="0"/>
-              <a:t>quả</a:t>
-            </a:r>
-            <a:endParaRPr lang="en-US" sz="3600" dirty="0" smtClean="0"/>
-          </a:p>
-          <a:p>
+              <a:t>phát</a:t>
+            </a:r>
+            <a:r>
+              <a:rPr lang="en-US" sz="3600" dirty="0" smtClean="0"/>
+              <a:t> </a:t>
+            </a:r>
             <a:r>
               <a:rPr lang="en-US" sz="3600" dirty="0" err="1" smtClean="0"/>
-              <a:t>Xây</a:t>
+              <a:t>triển</a:t>
             </a:r>
             <a:r>
               <a:rPr lang="en-US" sz="3600" dirty="0" smtClean="0"/>
-              <a:t> </a:t>
-            </a:r>
+              <a:t>:</a:t>
+            </a:r>
+          </a:p>
+          <a:p>
             <a:r>
               <a:rPr lang="en-US" sz="3600" dirty="0" err="1" smtClean="0"/>
-              <a:t>dựng</a:t>
+              <a:t>Phát</a:t>
             </a:r>
             <a:r>
               <a:rPr lang="en-US" sz="3600" dirty="0" smtClean="0"/>
@@ -36348,7 +33760,7 @@
             </a:r>
             <a:r>
               <a:rPr lang="en-US" sz="3600" dirty="0" err="1" smtClean="0"/>
-              <a:t>được</a:t>
+              <a:t>triển</a:t>
             </a:r>
             <a:r>
               <a:rPr lang="en-US" sz="3600" dirty="0" smtClean="0"/>
@@ -36382,76 +33794,7 @@
               <a:rPr lang="en-US" sz="3600" dirty="0" err="1" smtClean="0"/>
               <a:t>liệu</a:t>
             </a:r>
-            <a:r>
-              <a:rPr lang="en-US" sz="3600" dirty="0" smtClean="0"/>
-              <a:t>.</a:t>
-            </a:r>
-          </a:p>
-          <a:p>
-            <a:r>
-              <a:rPr lang="en-US" sz="3600" dirty="0" err="1" smtClean="0"/>
-              <a:t>Đáp</a:t>
-            </a:r>
-            <a:r>
-              <a:rPr lang="en-US" sz="3600" dirty="0" smtClean="0"/>
-              <a:t> </a:t>
-            </a:r>
-            <a:r>
-              <a:rPr lang="en-US" sz="3600" dirty="0" err="1" smtClean="0"/>
-              <a:t>ứng</a:t>
-            </a:r>
-            <a:r>
-              <a:rPr lang="en-US" sz="3600" dirty="0" smtClean="0"/>
-              <a:t> </a:t>
-            </a:r>
-            <a:r>
-              <a:rPr lang="en-US" sz="3600" dirty="0" err="1" smtClean="0"/>
-              <a:t>được</a:t>
-            </a:r>
-            <a:r>
-              <a:rPr lang="en-US" sz="3600" dirty="0" smtClean="0"/>
-              <a:t> </a:t>
-            </a:r>
-            <a:r>
-              <a:rPr lang="en-US" sz="3600" dirty="0" err="1" smtClean="0"/>
-              <a:t>đủ</a:t>
-            </a:r>
-            <a:r>
-              <a:rPr lang="en-US" sz="3600" dirty="0" smtClean="0"/>
-              <a:t> </a:t>
-            </a:r>
-            <a:r>
-              <a:rPr lang="en-US" sz="3600" dirty="0" err="1" smtClean="0"/>
-              <a:t>yêu</a:t>
-            </a:r>
-            <a:r>
-              <a:rPr lang="en-US" sz="3600" dirty="0" smtClean="0"/>
-              <a:t> </a:t>
-            </a:r>
-            <a:r>
-              <a:rPr lang="en-US" sz="3600" dirty="0" err="1" smtClean="0"/>
-              <a:t>cầu</a:t>
-            </a:r>
-            <a:r>
-              <a:rPr lang="en-US" sz="3600" dirty="0" smtClean="0"/>
-              <a:t> </a:t>
-            </a:r>
-            <a:r>
-              <a:rPr lang="en-US" sz="3600" dirty="0" err="1" smtClean="0"/>
-              <a:t>của</a:t>
-            </a:r>
-            <a:r>
-              <a:rPr lang="en-US" sz="3600" dirty="0" smtClean="0"/>
-              <a:t> </a:t>
-            </a:r>
-            <a:r>
-              <a:rPr lang="en-US" sz="3600" dirty="0" err="1" smtClean="0"/>
-              <a:t>một</a:t>
-            </a:r>
-            <a:r>
-              <a:rPr lang="en-US" sz="3600" dirty="0" smtClean="0"/>
-              <a:t> HHTRQĐLS.</a:t>
-            </a:r>
+            <a:endParaRPr lang="en-US" sz="3600" dirty="0" smtClean="0"/>
           </a:p>
           <a:p>
             <a:r>
@@ -36472,7 +33815,7 @@
             </a:r>
             <a:r>
               <a:rPr lang="en-US" sz="3600" dirty="0" err="1" smtClean="0"/>
-              <a:t>thành</a:t>
+              <a:t>thêm</a:t>
             </a:r>
             <a:r>
               <a:rPr lang="en-US" sz="3600" dirty="0" smtClean="0"/>
@@ -36480,7 +33823,7 @@
             </a:r>
             <a:r>
               <a:rPr lang="en-US" sz="3600" dirty="0" err="1" smtClean="0"/>
-              <a:t>công</a:t>
+              <a:t>các</a:t>
             </a:r>
             <a:r>
               <a:rPr lang="en-US" sz="3600" dirty="0" smtClean="0"/>
@@ -36500,11 +33843,18 @@
             </a:r>
             <a:r>
               <a:rPr lang="en-US" sz="3600" dirty="0" smtClean="0"/>
-              <a:t> Naïve </a:t>
+              <a:t> </a:t>
             </a:r>
             <a:r>
               <a:rPr lang="en-US" sz="3600" dirty="0" err="1" smtClean="0"/>
-              <a:t>Bayes</a:t>
+              <a:t>khác</a:t>
+            </a:r>
+            <a:endParaRPr lang="en-US" sz="3600" dirty="0" smtClean="0"/>
+          </a:p>
+          <a:p>
+            <a:r>
+              <a:rPr lang="en-US" sz="3600" dirty="0" err="1" smtClean="0"/>
+              <a:t>Cài</a:t>
             </a:r>
             <a:r>
               <a:rPr lang="en-US" sz="3600" dirty="0" smtClean="0"/>
@@ -36512,12 +33862,110 @@
             </a:r>
             <a:r>
               <a:rPr lang="en-US" sz="3600" dirty="0" err="1" smtClean="0"/>
-              <a:t>và</a:t>
+              <a:t>đặt</a:t>
             </a:r>
             <a:r>
               <a:rPr lang="en-US" sz="3600" dirty="0" smtClean="0"/>
-              <a:t> C4.5</a:t>
-            </a:r>
+              <a:t> </a:t>
+            </a:r>
+            <a:r>
+              <a:rPr lang="en-US" sz="3600" dirty="0" err="1" smtClean="0"/>
+              <a:t>thêm</a:t>
+            </a:r>
+            <a:r>
+              <a:rPr lang="en-US" sz="3600" dirty="0" smtClean="0"/>
+              <a:t> </a:t>
+            </a:r>
+            <a:r>
+              <a:rPr lang="en-US" sz="3600" dirty="0" err="1" smtClean="0"/>
+              <a:t>tính</a:t>
+            </a:r>
+            <a:r>
+              <a:rPr lang="en-US" sz="3600" dirty="0" smtClean="0"/>
+              <a:t> </a:t>
+            </a:r>
+            <a:r>
+              <a:rPr lang="en-US" sz="3600" dirty="0" err="1" smtClean="0"/>
+              <a:t>năng</a:t>
+            </a:r>
+            <a:r>
+              <a:rPr lang="en-US" sz="3600" dirty="0" smtClean="0"/>
+              <a:t>: </a:t>
+            </a:r>
+            <a:r>
+              <a:rPr lang="en-US" sz="3600" dirty="0" err="1" smtClean="0"/>
+              <a:t>chẩn</a:t>
+            </a:r>
+            <a:r>
+              <a:rPr lang="en-US" sz="3600" dirty="0" smtClean="0"/>
+              <a:t> </a:t>
+            </a:r>
+            <a:r>
+              <a:rPr lang="en-US" sz="3600" dirty="0" err="1" smtClean="0"/>
+              <a:t>đoán</a:t>
+            </a:r>
+            <a:r>
+              <a:rPr lang="en-US" sz="3600" dirty="0" smtClean="0"/>
+              <a:t> </a:t>
+            </a:r>
+            <a:r>
+              <a:rPr lang="en-US" sz="3600" dirty="0" err="1" smtClean="0"/>
+              <a:t>biến</a:t>
+            </a:r>
+            <a:r>
+              <a:rPr lang="en-US" sz="3600" dirty="0" smtClean="0"/>
+              <a:t> </a:t>
+            </a:r>
+            <a:r>
+              <a:rPr lang="en-US" sz="3600" dirty="0" err="1" smtClean="0"/>
+              <a:t>chứng</a:t>
+            </a:r>
+            <a:r>
+              <a:rPr lang="en-US" sz="3600" dirty="0" smtClean="0"/>
+              <a:t>, </a:t>
+            </a:r>
+            <a:r>
+              <a:rPr lang="en-US" sz="3600" dirty="0" err="1" smtClean="0"/>
+              <a:t>dự</a:t>
+            </a:r>
+            <a:r>
+              <a:rPr lang="en-US" sz="3600" dirty="0" smtClean="0"/>
+              <a:t> </a:t>
+            </a:r>
+            <a:r>
+              <a:rPr lang="en-US" sz="3600" dirty="0" err="1" smtClean="0"/>
+              <a:t>đoán</a:t>
+            </a:r>
+            <a:r>
+              <a:rPr lang="en-US" sz="3600" dirty="0" smtClean="0"/>
+              <a:t> </a:t>
+            </a:r>
+            <a:r>
+              <a:rPr lang="en-US" sz="3600" dirty="0" err="1" smtClean="0"/>
+              <a:t>năm</a:t>
+            </a:r>
+            <a:r>
+              <a:rPr lang="en-US" sz="3600" dirty="0" smtClean="0"/>
+              <a:t> </a:t>
+            </a:r>
+            <a:r>
+              <a:rPr lang="en-US" sz="3600" dirty="0" err="1" smtClean="0"/>
+              <a:t>phát</a:t>
+            </a:r>
+            <a:r>
+              <a:rPr lang="en-US" sz="3600" dirty="0" smtClean="0"/>
+              <a:t> </a:t>
+            </a:r>
+            <a:r>
+              <a:rPr lang="en-US" sz="3600" dirty="0" err="1" smtClean="0"/>
+              <a:t>bệnh</a:t>
+            </a:r>
+            <a:r>
+              <a:rPr lang="en-US" sz="3600" dirty="0" smtClean="0"/>
+              <a:t>…</a:t>
+            </a:r>
+          </a:p>
+          <a:p>
             <a:endParaRPr lang="en-US" sz="3600" dirty="0"/>
           </a:p>
         </p:txBody>
@@ -36540,7 +33988,7 @@
             <a:fld id="{363E45C6-9571-4178-A8DA-81C5BD399E46}" type="datetime1">
               <a:rPr lang="vi-VN" smtClean="0"/>
               <a:pPr/>
-              <a:t>06/03/2013</a:t>
+              <a:t>08/03/2013</a:t>
             </a:fld>
             <a:endParaRPr lang="en-US"/>
           </a:p>
@@ -36567,6 +34015,82 @@
               <a:t>25</a:t>
             </a:fld>
             <a:endParaRPr lang="en-US"/>
+          </a:p>
+        </p:txBody>
+      </p:sp>
+      <p:sp>
+        <p:nvSpPr>
+          <p:cNvPr id="6" name="Content Placeholder 2"/>
+          <p:cNvSpPr txBox="1">
+            <a:spLocks/>
+          </p:cNvSpPr>
+          <p:nvPr/>
+        </p:nvSpPr>
+        <p:spPr>
+          <a:xfrm>
+            <a:off x="609600" y="2087880"/>
+            <a:ext cx="8229600" cy="4389120"/>
+          </a:xfrm>
+          <a:prstGeom prst="rect">
+            <a:avLst/>
+          </a:prstGeom>
+        </p:spPr>
+        <p:txBody>
+          <a:bodyPr vert="horz">
+            <a:noAutofit/>
+          </a:bodyPr>
+          <a:lstStyle/>
+          <a:p>
+            <a:pPr marL="274320" marR="0" lvl="0" indent="-274320" algn="just" defTabSz="914400" rtl="0" eaLnBrk="1" fontAlgn="auto" latinLnBrk="0" hangingPunct="1">
+              <a:lnSpc>
+                <a:spcPct val="100000"/>
+              </a:lnSpc>
+              <a:spcBef>
+                <a:spcPct val="20000"/>
+              </a:spcBef>
+              <a:spcAft>
+                <a:spcPts val="0"/>
+              </a:spcAft>
+              <a:buClr>
+                <a:schemeClr val="accent3"/>
+              </a:buClr>
+              <a:buSzPct val="95000"/>
+              <a:buFont typeface="Wingdings 2"/>
+              <a:buNone/>
+              <a:tabLst/>
+              <a:defRPr/>
+            </a:pPr>
+            <a:r>
+              <a:rPr kumimoji="0" lang="en-US" sz="4000" b="0" i="0" u="none" strike="noStrike" kern="1200" cap="none" spc="0" normalizeH="0" baseline="0" noProof="0" dirty="0" smtClean="0">
+                <a:ln>
+                  <a:noFill/>
+                </a:ln>
+                <a:solidFill>
+                  <a:schemeClr val="tx1"/>
+                </a:solidFill>
+                <a:effectLst/>
+                <a:uLnTx/>
+                <a:uFillTx/>
+                <a:latin typeface="+mn-lt"/>
+                <a:ea typeface="+mn-ea"/>
+                <a:cs typeface="+mn-cs"/>
+              </a:rPr>
+              <a:t>	</a:t>
+            </a:r>
+            <a:endParaRPr kumimoji="0" lang="en-US" sz="4000" b="0" i="0" u="none" strike="noStrike" kern="1200" cap="none" spc="0" normalizeH="0" baseline="0" noProof="0" dirty="0">
+              <a:ln>
+                <a:noFill/>
+              </a:ln>
+              <a:solidFill>
+                <a:schemeClr val="tx1"/>
+              </a:solidFill>
+              <a:effectLst/>
+              <a:uLnTx/>
+              <a:uFillTx/>
+              <a:latin typeface="+mn-lt"/>
+              <a:ea typeface="+mn-ea"/>
+              <a:cs typeface="+mn-cs"/>
+            </a:endParaRPr>
           </a:p>
         </p:txBody>
       </p:sp>
@@ -36619,276 +34143,10 @@
           <a:p>
             <a:pPr algn="ctr"/>
             <a:r>
-              <a:rPr lang="en-US" dirty="0" err="1" smtClean="0"/>
-              <a:t>Triển</a:t>
-            </a:r>
-            <a:r>
               <a:rPr lang="en-US" dirty="0" smtClean="0"/>
-              <a:t> </a:t>
-            </a:r>
-            <a:r>
-              <a:rPr lang="en-US" dirty="0" err="1" smtClean="0"/>
-              <a:t>khai</a:t>
-            </a:r>
-            <a:r>
-              <a:rPr lang="en-US" dirty="0" smtClean="0"/>
-              <a:t> </a:t>
-            </a:r>
-            <a:r>
-              <a:rPr lang="en-US" dirty="0" err="1" smtClean="0"/>
-              <a:t>và</a:t>
-            </a:r>
-            <a:r>
-              <a:rPr lang="en-US" dirty="0" smtClean="0"/>
-              <a:t> </a:t>
-            </a:r>
-            <a:r>
-              <a:rPr lang="en-US" dirty="0" err="1" smtClean="0"/>
-              <a:t>đánh</a:t>
-            </a:r>
-            <a:r>
-              <a:rPr lang="en-US" dirty="0" smtClean="0"/>
-              <a:t> </a:t>
-            </a:r>
-            <a:r>
-              <a:rPr lang="en-US" dirty="0" err="1" smtClean="0"/>
-              <a:t>giá</a:t>
+              <a:t>DEMO</a:t>
             </a:r>
             <a:endParaRPr lang="en-US" dirty="0"/>
-          </a:p>
-        </p:txBody>
-      </p:sp>
-      <p:sp>
-        <p:nvSpPr>
-          <p:cNvPr id="3" name="Content Placeholder 2"/>
-          <p:cNvSpPr>
-            <a:spLocks noGrp="1"/>
-          </p:cNvSpPr>
-          <p:nvPr>
-            <p:ph idx="1"/>
-          </p:nvPr>
-        </p:nvSpPr>
-        <p:spPr>
-          <a:xfrm>
-            <a:off x="457200" y="1905000"/>
-            <a:ext cx="8229600" cy="4389120"/>
-          </a:xfrm>
-        </p:spPr>
-        <p:txBody>
-          <a:bodyPr anchor="t">
-            <a:noAutofit/>
-          </a:bodyPr>
-          <a:lstStyle/>
-          <a:p>
-            <a:pPr>
-              <a:buNone/>
-            </a:pPr>
-            <a:r>
-              <a:rPr lang="en-US" sz="3600" dirty="0" smtClean="0"/>
-              <a:t>	</a:t>
-            </a:r>
-            <a:r>
-              <a:rPr lang="en-US" sz="3600" dirty="0" err="1" smtClean="0"/>
-              <a:t>Hạn</a:t>
-            </a:r>
-            <a:r>
-              <a:rPr lang="en-US" sz="3600" dirty="0" smtClean="0"/>
-              <a:t> </a:t>
-            </a:r>
-            <a:r>
-              <a:rPr lang="en-US" sz="3600" dirty="0" err="1" smtClean="0"/>
-              <a:t>chế</a:t>
-            </a:r>
-            <a:r>
-              <a:rPr lang="en-US" sz="3600" dirty="0" smtClean="0"/>
-              <a:t>:</a:t>
-            </a:r>
-          </a:p>
-          <a:p>
-            <a:r>
-              <a:rPr lang="en-US" sz="3600" dirty="0" smtClean="0"/>
-              <a:t> </a:t>
-            </a:r>
-            <a:r>
-              <a:rPr lang="en-US" sz="3600" dirty="0" err="1" smtClean="0"/>
-              <a:t>Giải</a:t>
-            </a:r>
-            <a:r>
-              <a:rPr lang="en-US" sz="3600" dirty="0" smtClean="0"/>
-              <a:t> </a:t>
-            </a:r>
-            <a:r>
-              <a:rPr lang="en-US" sz="3600" dirty="0" err="1" smtClean="0"/>
-              <a:t>thuật</a:t>
-            </a:r>
-            <a:r>
-              <a:rPr lang="en-US" sz="3600" dirty="0" smtClean="0"/>
-              <a:t> SVM </a:t>
-            </a:r>
-            <a:r>
-              <a:rPr lang="en-US" sz="3600" dirty="0" err="1" smtClean="0"/>
-              <a:t>đạt</a:t>
-            </a:r>
-            <a:r>
-              <a:rPr lang="en-US" sz="3600" dirty="0" smtClean="0"/>
-              <a:t> </a:t>
-            </a:r>
-            <a:r>
-              <a:rPr lang="en-US" sz="3600" dirty="0" err="1" smtClean="0"/>
-              <a:t>kết</a:t>
-            </a:r>
-            <a:r>
-              <a:rPr lang="en-US" sz="3600" dirty="0" smtClean="0"/>
-              <a:t> </a:t>
-            </a:r>
-            <a:r>
-              <a:rPr lang="en-US" sz="3600" dirty="0" err="1" smtClean="0"/>
-              <a:t>quả</a:t>
-            </a:r>
-            <a:r>
-              <a:rPr lang="en-US" sz="3600" dirty="0" smtClean="0"/>
-              <a:t> </a:t>
-            </a:r>
-            <a:r>
-              <a:rPr lang="en-US" sz="3600" dirty="0" err="1" smtClean="0"/>
-              <a:t>thấp</a:t>
-            </a:r>
-            <a:r>
-              <a:rPr lang="en-US" sz="3600" dirty="0" smtClean="0"/>
-              <a:t>.</a:t>
-            </a:r>
-          </a:p>
-          <a:p>
-            <a:r>
-              <a:rPr lang="en-US" sz="3600" dirty="0" smtClean="0"/>
-              <a:t> </a:t>
-            </a:r>
-            <a:r>
-              <a:rPr lang="en-US" sz="3600" dirty="0" err="1" smtClean="0"/>
-              <a:t>Dữ</a:t>
-            </a:r>
-            <a:r>
-              <a:rPr lang="en-US" sz="3600" dirty="0" smtClean="0"/>
-              <a:t> </a:t>
-            </a:r>
-            <a:r>
-              <a:rPr lang="en-US" sz="3600" dirty="0" err="1" smtClean="0"/>
-              <a:t>liệu</a:t>
-            </a:r>
-            <a:r>
-              <a:rPr lang="en-US" sz="3600" dirty="0" smtClean="0"/>
-              <a:t> </a:t>
-            </a:r>
-            <a:r>
-              <a:rPr lang="en-US" sz="3600" dirty="0" err="1" smtClean="0"/>
-              <a:t>phân</a:t>
-            </a:r>
-            <a:r>
-              <a:rPr lang="en-US" sz="3600" dirty="0" smtClean="0"/>
-              <a:t> </a:t>
-            </a:r>
-            <a:r>
-              <a:rPr lang="en-US" sz="3600" dirty="0" err="1" smtClean="0"/>
-              <a:t>lớp</a:t>
-            </a:r>
-            <a:r>
-              <a:rPr lang="en-US" sz="3600" dirty="0" smtClean="0"/>
-              <a:t> </a:t>
-            </a:r>
-            <a:r>
-              <a:rPr lang="en-US" sz="3600" dirty="0" err="1" smtClean="0"/>
-              <a:t>không</a:t>
-            </a:r>
-            <a:r>
-              <a:rPr lang="en-US" sz="3600" dirty="0" smtClean="0"/>
-              <a:t> </a:t>
-            </a:r>
-            <a:r>
-              <a:rPr lang="en-US" sz="3600" dirty="0" err="1" smtClean="0"/>
-              <a:t>đồng</a:t>
-            </a:r>
-            <a:r>
-              <a:rPr lang="en-US" sz="3600" dirty="0" smtClean="0"/>
-              <a:t> </a:t>
-            </a:r>
-            <a:r>
-              <a:rPr lang="en-US" sz="3600" dirty="0" err="1" smtClean="0"/>
-              <a:t>đều</a:t>
-            </a:r>
-            <a:r>
-              <a:rPr lang="en-US" sz="3600" dirty="0" smtClean="0"/>
-              <a:t>.</a:t>
-            </a:r>
-          </a:p>
-          <a:p>
-            <a:r>
-              <a:rPr lang="en-US" sz="3600" dirty="0" smtClean="0"/>
-              <a:t> </a:t>
-            </a:r>
-            <a:r>
-              <a:rPr lang="en-US" sz="3600" dirty="0" err="1" smtClean="0"/>
-              <a:t>Kết</a:t>
-            </a:r>
-            <a:r>
-              <a:rPr lang="en-US" sz="3600" dirty="0" smtClean="0"/>
-              <a:t> </a:t>
-            </a:r>
-            <a:r>
-              <a:rPr lang="en-US" sz="3600" dirty="0" err="1" smtClean="0"/>
-              <a:t>quả</a:t>
-            </a:r>
-            <a:r>
-              <a:rPr lang="en-US" sz="3600" dirty="0" smtClean="0"/>
-              <a:t> </a:t>
-            </a:r>
-            <a:r>
-              <a:rPr lang="en-US" sz="3600" dirty="0" err="1" smtClean="0"/>
-              <a:t>thu</a:t>
-            </a:r>
-            <a:r>
-              <a:rPr lang="en-US" sz="3600" dirty="0" smtClean="0"/>
-              <a:t> </a:t>
-            </a:r>
-            <a:r>
-              <a:rPr lang="en-US" sz="3600" dirty="0" err="1" smtClean="0"/>
-              <a:t>được</a:t>
-            </a:r>
-            <a:r>
-              <a:rPr lang="en-US" sz="3600" dirty="0" smtClean="0"/>
-              <a:t> </a:t>
-            </a:r>
-            <a:r>
-              <a:rPr lang="en-US" sz="3600" dirty="0" err="1" smtClean="0"/>
-              <a:t>mang</a:t>
-            </a:r>
-            <a:r>
-              <a:rPr lang="en-US" sz="3600" dirty="0" smtClean="0"/>
-              <a:t> </a:t>
-            </a:r>
-            <a:r>
-              <a:rPr lang="en-US" sz="3600" dirty="0" err="1" smtClean="0"/>
-              <a:t>tính</a:t>
-            </a:r>
-            <a:r>
-              <a:rPr lang="en-US" sz="3600" dirty="0" smtClean="0"/>
-              <a:t> </a:t>
-            </a:r>
-            <a:r>
-              <a:rPr lang="en-US" sz="3600" dirty="0" err="1" smtClean="0"/>
-              <a:t>chủ</a:t>
-            </a:r>
-            <a:r>
-              <a:rPr lang="en-US" sz="3600" dirty="0" smtClean="0"/>
-              <a:t> </a:t>
-            </a:r>
-            <a:r>
-              <a:rPr lang="en-US" sz="3600" dirty="0" err="1" smtClean="0"/>
-              <a:t>quan</a:t>
-            </a:r>
-            <a:r>
-              <a:rPr lang="en-US" sz="3600" dirty="0" smtClean="0"/>
-              <a:t>.</a:t>
-            </a:r>
           </a:p>
         </p:txBody>
       </p:sp>
@@ -36910,7 +34168,7 @@
             <a:fld id="{363E45C6-9571-4178-A8DA-81C5BD399E46}" type="datetime1">
               <a:rPr lang="vi-VN" smtClean="0"/>
               <a:pPr/>
-              <a:t>06/03/2013</a:t>
+              <a:t>08/03/2013</a:t>
             </a:fld>
             <a:endParaRPr lang="en-US"/>
           </a:p>
@@ -36935,668 +34193,6 @@
               <a:rPr lang="en-US" smtClean="0"/>
               <a:pPr/>
               <a:t>26</a:t>
-            </a:fld>
-            <a:endParaRPr lang="en-US"/>
-          </a:p>
-        </p:txBody>
-      </p:sp>
-      <p:sp>
-        <p:nvSpPr>
-          <p:cNvPr id="6" name="Content Placeholder 2"/>
-          <p:cNvSpPr txBox="1">
-            <a:spLocks/>
-          </p:cNvSpPr>
-          <p:nvPr/>
-        </p:nvSpPr>
-        <p:spPr>
-          <a:xfrm>
-            <a:off x="609600" y="2087880"/>
-            <a:ext cx="8229600" cy="4389120"/>
-          </a:xfrm>
-          <a:prstGeom prst="rect">
-            <a:avLst/>
-          </a:prstGeom>
-        </p:spPr>
-        <p:txBody>
-          <a:bodyPr vert="horz">
-            <a:noAutofit/>
-          </a:bodyPr>
-          <a:lstStyle/>
-          <a:p>
-            <a:pPr marL="274320" marR="0" lvl="0" indent="-274320" algn="l" defTabSz="914400" rtl="0" eaLnBrk="1" fontAlgn="auto" latinLnBrk="0" hangingPunct="1">
-              <a:lnSpc>
-                <a:spcPct val="100000"/>
-              </a:lnSpc>
-              <a:spcBef>
-                <a:spcPct val="20000"/>
-              </a:spcBef>
-              <a:spcAft>
-                <a:spcPts val="0"/>
-              </a:spcAft>
-              <a:buClr>
-                <a:schemeClr val="accent3"/>
-              </a:buClr>
-              <a:buSzPct val="95000"/>
-              <a:buFont typeface="Wingdings 2"/>
-              <a:buNone/>
-              <a:tabLst/>
-              <a:defRPr/>
-            </a:pPr>
-            <a:r>
-              <a:rPr kumimoji="0" lang="en-US" sz="4000" b="0" i="0" u="none" strike="noStrike" kern="1200" cap="none" spc="0" normalizeH="0" baseline="0" noProof="0" dirty="0" smtClean="0">
-                <a:ln>
-                  <a:noFill/>
-                </a:ln>
-                <a:solidFill>
-                  <a:schemeClr val="tx1"/>
-                </a:solidFill>
-                <a:effectLst/>
-                <a:uLnTx/>
-                <a:uFillTx/>
-                <a:latin typeface="+mn-lt"/>
-                <a:ea typeface="+mn-ea"/>
-                <a:cs typeface="+mn-cs"/>
-              </a:rPr>
-              <a:t>	</a:t>
-            </a:r>
-            <a:endParaRPr kumimoji="0" lang="en-US" sz="4000" b="0" i="0" u="none" strike="noStrike" kern="1200" cap="none" spc="0" normalizeH="0" baseline="0" noProof="0" dirty="0">
-              <a:ln>
-                <a:noFill/>
-              </a:ln>
-              <a:solidFill>
-                <a:schemeClr val="tx1"/>
-              </a:solidFill>
-              <a:effectLst/>
-              <a:uLnTx/>
-              <a:uFillTx/>
-              <a:latin typeface="+mn-lt"/>
-              <a:ea typeface="+mn-ea"/>
-              <a:cs typeface="+mn-cs"/>
-            </a:endParaRPr>
-          </a:p>
-        </p:txBody>
-      </p:sp>
-    </p:spTree>
-  </p:cSld>
-  <p:clrMapOvr>
-    <a:masterClrMapping/>
-  </p:clrMapOvr>
-  <p:timing>
-    <p:tnLst>
-      <p:par>
-        <p:cTn id="1" dur="indefinite" restart="never" nodeType="tmRoot"/>
-      </p:par>
-    </p:tnLst>
-  </p:timing>
-</p:sld>
-</file>
-
-<file path=ppt/slides/slide27.xml><?xml version="1.0" encoding="utf-8"?>
-<p:sld xmlns:a="http://schemas.openxmlformats.org/drawingml/2006/main" xmlns:r="http://schemas.openxmlformats.org/officeDocument/2006/relationships" xmlns:p="http://schemas.openxmlformats.org/presentationml/2006/main">
-  <p:cSld>
-    <p:spTree>
-      <p:nvGrpSpPr>
-        <p:cNvPr id="1" name=""/>
-        <p:cNvGrpSpPr/>
-        <p:nvPr/>
-      </p:nvGrpSpPr>
-      <p:grpSpPr>
-        <a:xfrm>
-          <a:off x="0" y="0"/>
-          <a:ext cx="0" cy="0"/>
-          <a:chOff x="0" y="0"/>
-          <a:chExt cx="0" cy="0"/>
-        </a:xfrm>
-      </p:grpSpPr>
-      <p:sp>
-        <p:nvSpPr>
-          <p:cNvPr id="2" name="Title 1"/>
-          <p:cNvSpPr>
-            <a:spLocks noGrp="1"/>
-          </p:cNvSpPr>
-          <p:nvPr>
-            <p:ph type="title"/>
-          </p:nvPr>
-        </p:nvSpPr>
-        <p:spPr/>
-        <p:txBody>
-          <a:bodyPr/>
-          <a:lstStyle/>
-          <a:p>
-            <a:pPr algn="ctr"/>
-            <a:r>
-              <a:rPr lang="en-US" dirty="0" err="1" smtClean="0"/>
-              <a:t>Triển</a:t>
-            </a:r>
-            <a:r>
-              <a:rPr lang="en-US" dirty="0" smtClean="0"/>
-              <a:t> </a:t>
-            </a:r>
-            <a:r>
-              <a:rPr lang="en-US" dirty="0" err="1" smtClean="0"/>
-              <a:t>khai</a:t>
-            </a:r>
-            <a:r>
-              <a:rPr lang="en-US" dirty="0" smtClean="0"/>
-              <a:t> </a:t>
-            </a:r>
-            <a:r>
-              <a:rPr lang="en-US" dirty="0" err="1" smtClean="0"/>
-              <a:t>và</a:t>
-            </a:r>
-            <a:r>
-              <a:rPr lang="en-US" dirty="0" smtClean="0"/>
-              <a:t> </a:t>
-            </a:r>
-            <a:r>
-              <a:rPr lang="en-US" dirty="0" err="1" smtClean="0"/>
-              <a:t>đánh</a:t>
-            </a:r>
-            <a:r>
-              <a:rPr lang="en-US" dirty="0" smtClean="0"/>
-              <a:t> </a:t>
-            </a:r>
-            <a:r>
-              <a:rPr lang="en-US" dirty="0" err="1" smtClean="0"/>
-              <a:t>giá</a:t>
-            </a:r>
-            <a:endParaRPr lang="en-US" dirty="0"/>
-          </a:p>
-        </p:txBody>
-      </p:sp>
-      <p:sp>
-        <p:nvSpPr>
-          <p:cNvPr id="3" name="Content Placeholder 2"/>
-          <p:cNvSpPr>
-            <a:spLocks noGrp="1"/>
-          </p:cNvSpPr>
-          <p:nvPr>
-            <p:ph idx="1"/>
-          </p:nvPr>
-        </p:nvSpPr>
-        <p:spPr/>
-        <p:txBody>
-          <a:bodyPr>
-            <a:noAutofit/>
-          </a:bodyPr>
-          <a:lstStyle/>
-          <a:p>
-            <a:pPr>
-              <a:buNone/>
-            </a:pPr>
-            <a:r>
-              <a:rPr lang="en-US" sz="3600" dirty="0" smtClean="0"/>
-              <a:t>	</a:t>
-            </a:r>
-            <a:r>
-              <a:rPr lang="en-US" sz="3600" dirty="0" err="1" smtClean="0"/>
-              <a:t>Hướng</a:t>
-            </a:r>
-            <a:r>
-              <a:rPr lang="en-US" sz="3600" dirty="0" smtClean="0"/>
-              <a:t> </a:t>
-            </a:r>
-            <a:r>
-              <a:rPr lang="en-US" sz="3600" dirty="0" err="1" smtClean="0"/>
-              <a:t>phát</a:t>
-            </a:r>
-            <a:r>
-              <a:rPr lang="en-US" sz="3600" dirty="0" smtClean="0"/>
-              <a:t> </a:t>
-            </a:r>
-            <a:r>
-              <a:rPr lang="en-US" sz="3600" dirty="0" err="1" smtClean="0"/>
-              <a:t>triển</a:t>
-            </a:r>
-            <a:r>
-              <a:rPr lang="en-US" sz="3600" dirty="0" smtClean="0"/>
-              <a:t>:</a:t>
-            </a:r>
-          </a:p>
-          <a:p>
-            <a:r>
-              <a:rPr lang="en-US" sz="3600" dirty="0" err="1" smtClean="0"/>
-              <a:t>Phát</a:t>
-            </a:r>
-            <a:r>
-              <a:rPr lang="en-US" sz="3600" dirty="0" smtClean="0"/>
-              <a:t> </a:t>
-            </a:r>
-            <a:r>
-              <a:rPr lang="en-US" sz="3600" dirty="0" err="1" smtClean="0"/>
-              <a:t>triển</a:t>
-            </a:r>
-            <a:r>
-              <a:rPr lang="en-US" sz="3600" dirty="0" smtClean="0"/>
-              <a:t> </a:t>
-            </a:r>
-            <a:r>
-              <a:rPr lang="en-US" sz="3600" dirty="0" err="1" smtClean="0"/>
-              <a:t>mô</a:t>
-            </a:r>
-            <a:r>
-              <a:rPr lang="en-US" sz="3600" dirty="0" smtClean="0"/>
-              <a:t> </a:t>
-            </a:r>
-            <a:r>
-              <a:rPr lang="en-US" sz="3600" dirty="0" err="1" smtClean="0"/>
-              <a:t>hình</a:t>
-            </a:r>
-            <a:r>
-              <a:rPr lang="en-US" sz="3600" dirty="0" smtClean="0"/>
-              <a:t> </a:t>
-            </a:r>
-            <a:r>
-              <a:rPr lang="en-US" sz="3600" dirty="0" err="1" smtClean="0"/>
-              <a:t>dữ</a:t>
-            </a:r>
-            <a:r>
-              <a:rPr lang="en-US" sz="3600" dirty="0" smtClean="0"/>
-              <a:t> </a:t>
-            </a:r>
-            <a:r>
-              <a:rPr lang="en-US" sz="3600" dirty="0" err="1" smtClean="0"/>
-              <a:t>liệu</a:t>
-            </a:r>
-            <a:endParaRPr lang="en-US" sz="3600" dirty="0" smtClean="0"/>
-          </a:p>
-          <a:p>
-            <a:r>
-              <a:rPr lang="en-US" sz="3600" dirty="0" err="1" smtClean="0"/>
-              <a:t>Cài</a:t>
-            </a:r>
-            <a:r>
-              <a:rPr lang="en-US" sz="3600" dirty="0" smtClean="0"/>
-              <a:t> </a:t>
-            </a:r>
-            <a:r>
-              <a:rPr lang="en-US" sz="3600" dirty="0" err="1" smtClean="0"/>
-              <a:t>đặt</a:t>
-            </a:r>
-            <a:r>
-              <a:rPr lang="en-US" sz="3600" dirty="0" smtClean="0"/>
-              <a:t> </a:t>
-            </a:r>
-            <a:r>
-              <a:rPr lang="en-US" sz="3600" dirty="0" err="1" smtClean="0"/>
-              <a:t>thêm</a:t>
-            </a:r>
-            <a:r>
-              <a:rPr lang="en-US" sz="3600" dirty="0" smtClean="0"/>
-              <a:t> </a:t>
-            </a:r>
-            <a:r>
-              <a:rPr lang="en-US" sz="3600" dirty="0" err="1" smtClean="0"/>
-              <a:t>các</a:t>
-            </a:r>
-            <a:r>
-              <a:rPr lang="en-US" sz="3600" dirty="0" smtClean="0"/>
-              <a:t> </a:t>
-            </a:r>
-            <a:r>
-              <a:rPr lang="en-US" sz="3600" dirty="0" err="1" smtClean="0"/>
-              <a:t>giải</a:t>
-            </a:r>
-            <a:r>
-              <a:rPr lang="en-US" sz="3600" dirty="0" smtClean="0"/>
-              <a:t> </a:t>
-            </a:r>
-            <a:r>
-              <a:rPr lang="en-US" sz="3600" dirty="0" err="1" smtClean="0"/>
-              <a:t>thuật</a:t>
-            </a:r>
-            <a:r>
-              <a:rPr lang="en-US" sz="3600" dirty="0" smtClean="0"/>
-              <a:t> </a:t>
-            </a:r>
-            <a:r>
-              <a:rPr lang="en-US" sz="3600" dirty="0" err="1" smtClean="0"/>
-              <a:t>khác</a:t>
-            </a:r>
-            <a:endParaRPr lang="en-US" sz="3600" dirty="0" smtClean="0"/>
-          </a:p>
-          <a:p>
-            <a:r>
-              <a:rPr lang="en-US" sz="3600" dirty="0" err="1" smtClean="0"/>
-              <a:t>Cài</a:t>
-            </a:r>
-            <a:r>
-              <a:rPr lang="en-US" sz="3600" dirty="0" smtClean="0"/>
-              <a:t> </a:t>
-            </a:r>
-            <a:r>
-              <a:rPr lang="en-US" sz="3600" dirty="0" err="1" smtClean="0"/>
-              <a:t>đặt</a:t>
-            </a:r>
-            <a:r>
-              <a:rPr lang="en-US" sz="3600" dirty="0" smtClean="0"/>
-              <a:t> </a:t>
-            </a:r>
-            <a:r>
-              <a:rPr lang="en-US" sz="3600" dirty="0" err="1" smtClean="0"/>
-              <a:t>thêm</a:t>
-            </a:r>
-            <a:r>
-              <a:rPr lang="en-US" sz="3600" dirty="0" smtClean="0"/>
-              <a:t> </a:t>
-            </a:r>
-            <a:r>
-              <a:rPr lang="en-US" sz="3600" dirty="0" err="1" smtClean="0"/>
-              <a:t>tính</a:t>
-            </a:r>
-            <a:r>
-              <a:rPr lang="en-US" sz="3600" dirty="0" smtClean="0"/>
-              <a:t> </a:t>
-            </a:r>
-            <a:r>
-              <a:rPr lang="en-US" sz="3600" dirty="0" err="1" smtClean="0"/>
-              <a:t>năng</a:t>
-            </a:r>
-            <a:r>
-              <a:rPr lang="en-US" sz="3600" dirty="0" smtClean="0"/>
-              <a:t>: </a:t>
-            </a:r>
-            <a:r>
-              <a:rPr lang="en-US" sz="3600" dirty="0" err="1" smtClean="0"/>
-              <a:t>chẩn</a:t>
-            </a:r>
-            <a:r>
-              <a:rPr lang="en-US" sz="3600" dirty="0" smtClean="0"/>
-              <a:t> </a:t>
-            </a:r>
-            <a:r>
-              <a:rPr lang="en-US" sz="3600" dirty="0" err="1" smtClean="0"/>
-              <a:t>đoán</a:t>
-            </a:r>
-            <a:r>
-              <a:rPr lang="en-US" sz="3600" dirty="0" smtClean="0"/>
-              <a:t> </a:t>
-            </a:r>
-            <a:r>
-              <a:rPr lang="en-US" sz="3600" dirty="0" err="1" smtClean="0"/>
-              <a:t>biến</a:t>
-            </a:r>
-            <a:r>
-              <a:rPr lang="en-US" sz="3600" dirty="0" smtClean="0"/>
-              <a:t> </a:t>
-            </a:r>
-            <a:r>
-              <a:rPr lang="en-US" sz="3600" dirty="0" err="1" smtClean="0"/>
-              <a:t>chứng</a:t>
-            </a:r>
-            <a:r>
-              <a:rPr lang="en-US" sz="3600" dirty="0" smtClean="0"/>
-              <a:t>, </a:t>
-            </a:r>
-            <a:r>
-              <a:rPr lang="en-US" sz="3600" dirty="0" err="1" smtClean="0"/>
-              <a:t>dự</a:t>
-            </a:r>
-            <a:r>
-              <a:rPr lang="en-US" sz="3600" dirty="0" smtClean="0"/>
-              <a:t> </a:t>
-            </a:r>
-            <a:r>
-              <a:rPr lang="en-US" sz="3600" dirty="0" err="1" smtClean="0"/>
-              <a:t>đoán</a:t>
-            </a:r>
-            <a:r>
-              <a:rPr lang="en-US" sz="3600" dirty="0" smtClean="0"/>
-              <a:t> </a:t>
-            </a:r>
-            <a:r>
-              <a:rPr lang="en-US" sz="3600" dirty="0" err="1" smtClean="0"/>
-              <a:t>năm</a:t>
-            </a:r>
-            <a:r>
-              <a:rPr lang="en-US" sz="3600" dirty="0" smtClean="0"/>
-              <a:t> </a:t>
-            </a:r>
-            <a:r>
-              <a:rPr lang="en-US" sz="3600" dirty="0" err="1" smtClean="0"/>
-              <a:t>phát</a:t>
-            </a:r>
-            <a:r>
-              <a:rPr lang="en-US" sz="3600" dirty="0" smtClean="0"/>
-              <a:t> </a:t>
-            </a:r>
-            <a:r>
-              <a:rPr lang="en-US" sz="3600" dirty="0" err="1" smtClean="0"/>
-              <a:t>bệnh</a:t>
-            </a:r>
-            <a:r>
-              <a:rPr lang="en-US" sz="3600" dirty="0" smtClean="0"/>
-              <a:t>…</a:t>
-            </a:r>
-          </a:p>
-          <a:p>
-            <a:endParaRPr lang="en-US" sz="3600" dirty="0"/>
-          </a:p>
-        </p:txBody>
-      </p:sp>
-      <p:sp>
-        <p:nvSpPr>
-          <p:cNvPr id="4" name="Date Placeholder 3"/>
-          <p:cNvSpPr>
-            <a:spLocks noGrp="1"/>
-          </p:cNvSpPr>
-          <p:nvPr>
-            <p:ph type="dt" sz="half" idx="10"/>
-          </p:nvPr>
-        </p:nvSpPr>
-        <p:spPr/>
-        <p:txBody>
-          <a:bodyPr/>
-          <a:lstStyle/>
-          <a:p>
-            <a:fld id="{363E45C6-9571-4178-A8DA-81C5BD399E46}" type="datetime1">
-              <a:rPr lang="vi-VN" smtClean="0"/>
-              <a:pPr/>
-              <a:t>06/03/2013</a:t>
-            </a:fld>
-            <a:endParaRPr lang="en-US"/>
-          </a:p>
-        </p:txBody>
-      </p:sp>
-      <p:sp>
-        <p:nvSpPr>
-          <p:cNvPr id="5" name="Slide Number Placeholder 4"/>
-          <p:cNvSpPr>
-            <a:spLocks noGrp="1"/>
-          </p:cNvSpPr>
-          <p:nvPr>
-            <p:ph type="sldNum" sz="quarter" idx="12"/>
-          </p:nvPr>
-        </p:nvSpPr>
-        <p:spPr/>
-        <p:txBody>
-          <a:bodyPr/>
-          <a:lstStyle/>
-          <a:p>
-            <a:fld id="{B6F15528-21DE-4FAA-801E-634DDDAF4B2B}" type="slidenum">
-              <a:rPr lang="en-US" smtClean="0"/>
-              <a:pPr/>
-              <a:t>27</a:t>
-            </a:fld>
-            <a:endParaRPr lang="en-US"/>
-          </a:p>
-        </p:txBody>
-      </p:sp>
-      <p:sp>
-        <p:nvSpPr>
-          <p:cNvPr id="6" name="Content Placeholder 2"/>
-          <p:cNvSpPr txBox="1">
-            <a:spLocks/>
-          </p:cNvSpPr>
-          <p:nvPr/>
-        </p:nvSpPr>
-        <p:spPr>
-          <a:xfrm>
-            <a:off x="609600" y="2087880"/>
-            <a:ext cx="8229600" cy="4389120"/>
-          </a:xfrm>
-          <a:prstGeom prst="rect">
-            <a:avLst/>
-          </a:prstGeom>
-        </p:spPr>
-        <p:txBody>
-          <a:bodyPr vert="horz">
-            <a:noAutofit/>
-          </a:bodyPr>
-          <a:lstStyle/>
-          <a:p>
-            <a:pPr marL="274320" marR="0" lvl="0" indent="-274320" algn="just" defTabSz="914400" rtl="0" eaLnBrk="1" fontAlgn="auto" latinLnBrk="0" hangingPunct="1">
-              <a:lnSpc>
-                <a:spcPct val="100000"/>
-              </a:lnSpc>
-              <a:spcBef>
-                <a:spcPct val="20000"/>
-              </a:spcBef>
-              <a:spcAft>
-                <a:spcPts val="0"/>
-              </a:spcAft>
-              <a:buClr>
-                <a:schemeClr val="accent3"/>
-              </a:buClr>
-              <a:buSzPct val="95000"/>
-              <a:buFont typeface="Wingdings 2"/>
-              <a:buNone/>
-              <a:tabLst/>
-              <a:defRPr/>
-            </a:pPr>
-            <a:r>
-              <a:rPr kumimoji="0" lang="en-US" sz="4000" b="0" i="0" u="none" strike="noStrike" kern="1200" cap="none" spc="0" normalizeH="0" baseline="0" noProof="0" dirty="0" smtClean="0">
-                <a:ln>
-                  <a:noFill/>
-                </a:ln>
-                <a:solidFill>
-                  <a:schemeClr val="tx1"/>
-                </a:solidFill>
-                <a:effectLst/>
-                <a:uLnTx/>
-                <a:uFillTx/>
-                <a:latin typeface="+mn-lt"/>
-                <a:ea typeface="+mn-ea"/>
-                <a:cs typeface="+mn-cs"/>
-              </a:rPr>
-              <a:t>	</a:t>
-            </a:r>
-            <a:endParaRPr kumimoji="0" lang="en-US" sz="4000" b="0" i="0" u="none" strike="noStrike" kern="1200" cap="none" spc="0" normalizeH="0" baseline="0" noProof="0" dirty="0">
-              <a:ln>
-                <a:noFill/>
-              </a:ln>
-              <a:solidFill>
-                <a:schemeClr val="tx1"/>
-              </a:solidFill>
-              <a:effectLst/>
-              <a:uLnTx/>
-              <a:uFillTx/>
-              <a:latin typeface="+mn-lt"/>
-              <a:ea typeface="+mn-ea"/>
-              <a:cs typeface="+mn-cs"/>
-            </a:endParaRPr>
-          </a:p>
-        </p:txBody>
-      </p:sp>
-    </p:spTree>
-  </p:cSld>
-  <p:clrMapOvr>
-    <a:masterClrMapping/>
-  </p:clrMapOvr>
-  <p:timing>
-    <p:tnLst>
-      <p:par>
-        <p:cTn id="1" dur="indefinite" restart="never" nodeType="tmRoot"/>
-      </p:par>
-    </p:tnLst>
-  </p:timing>
-</p:sld>
-</file>
-
-<file path=ppt/slides/slide28.xml><?xml version="1.0" encoding="utf-8"?>
-<p:sld xmlns:a="http://schemas.openxmlformats.org/drawingml/2006/main" xmlns:r="http://schemas.openxmlformats.org/officeDocument/2006/relationships" xmlns:p="http://schemas.openxmlformats.org/presentationml/2006/main">
-  <p:cSld>
-    <p:spTree>
-      <p:nvGrpSpPr>
-        <p:cNvPr id="1" name=""/>
-        <p:cNvGrpSpPr/>
-        <p:nvPr/>
-      </p:nvGrpSpPr>
-      <p:grpSpPr>
-        <a:xfrm>
-          <a:off x="0" y="0"/>
-          <a:ext cx="0" cy="0"/>
-          <a:chOff x="0" y="0"/>
-          <a:chExt cx="0" cy="0"/>
-        </a:xfrm>
-      </p:grpSpPr>
-      <p:sp>
-        <p:nvSpPr>
-          <p:cNvPr id="2" name="Title 1"/>
-          <p:cNvSpPr>
-            <a:spLocks noGrp="1"/>
-          </p:cNvSpPr>
-          <p:nvPr>
-            <p:ph type="title"/>
-          </p:nvPr>
-        </p:nvSpPr>
-        <p:spPr/>
-        <p:txBody>
-          <a:bodyPr/>
-          <a:lstStyle/>
-          <a:p>
-            <a:pPr algn="ctr"/>
-            <a:r>
-              <a:rPr lang="en-US" dirty="0" smtClean="0"/>
-              <a:t>DEMO</a:t>
-            </a:r>
-            <a:endParaRPr lang="en-US" dirty="0"/>
-          </a:p>
-        </p:txBody>
-      </p:sp>
-      <p:sp>
-        <p:nvSpPr>
-          <p:cNvPr id="4" name="Date Placeholder 3"/>
-          <p:cNvSpPr>
-            <a:spLocks noGrp="1"/>
-          </p:cNvSpPr>
-          <p:nvPr>
-            <p:ph type="dt" sz="half" idx="10"/>
-          </p:nvPr>
-        </p:nvSpPr>
-        <p:spPr/>
-        <p:txBody>
-          <a:bodyPr/>
-          <a:lstStyle/>
-          <a:p>
-            <a:fld id="{363E45C6-9571-4178-A8DA-81C5BD399E46}" type="datetime1">
-              <a:rPr lang="vi-VN" smtClean="0"/>
-              <a:pPr/>
-              <a:t>06/03/2013</a:t>
-            </a:fld>
-            <a:endParaRPr lang="en-US"/>
-          </a:p>
-        </p:txBody>
-      </p:sp>
-      <p:sp>
-        <p:nvSpPr>
-          <p:cNvPr id="5" name="Slide Number Placeholder 4"/>
-          <p:cNvSpPr>
-            <a:spLocks noGrp="1"/>
-          </p:cNvSpPr>
-          <p:nvPr>
-            <p:ph type="sldNum" sz="quarter" idx="12"/>
-          </p:nvPr>
-        </p:nvSpPr>
-        <p:spPr/>
-        <p:txBody>
-          <a:bodyPr/>
-          <a:lstStyle/>
-          <a:p>
-            <a:fld id="{B6F15528-21DE-4FAA-801E-634DDDAF4B2B}" type="slidenum">
-              <a:rPr lang="en-US" smtClean="0"/>
-              <a:pPr/>
-              <a:t>28</a:t>
             </a:fld>
             <a:endParaRPr lang="en-US"/>
           </a:p>
@@ -37966,7 +34562,7 @@
             <a:fld id="{363E45C6-9571-4178-A8DA-81C5BD399E46}" type="datetime1">
               <a:rPr lang="vi-VN" smtClean="0"/>
               <a:pPr/>
-              <a:t>06/03/2013</a:t>
+              <a:t>08/03/2013</a:t>
             </a:fld>
             <a:endParaRPr lang="en-US"/>
           </a:p>
@@ -38098,11 +34694,7 @@
             </a:r>
             <a:r>
               <a:rPr lang="en-US" sz="3600" dirty="0" smtClean="0"/>
-              <a:t> </a:t>
-            </a:r>
-            <a:r>
-              <a:rPr lang="en-US" sz="3600" dirty="0" smtClean="0"/>
-              <a:t>nay </a:t>
+              <a:t> nay </a:t>
             </a:r>
             <a:r>
               <a:rPr lang="en-US" sz="3600" dirty="0" err="1" smtClean="0"/>
@@ -38312,7 +34904,7 @@
             <a:fld id="{363E45C6-9571-4178-A8DA-81C5BD399E46}" type="datetime1">
               <a:rPr lang="vi-VN" smtClean="0"/>
               <a:pPr/>
-              <a:t>06/03/2013</a:t>
+              <a:t>08/03/2013</a:t>
             </a:fld>
             <a:endParaRPr lang="en-US"/>
           </a:p>
@@ -38425,11 +35017,7 @@
           <a:p>
             <a:r>
               <a:rPr lang="en-US" sz="3600" dirty="0" smtClean="0"/>
-              <a:t> </a:t>
-            </a:r>
-            <a:r>
-              <a:rPr lang="en-US" sz="3600" dirty="0" smtClean="0"/>
-              <a:t>Chi </a:t>
+              <a:t> Chi </a:t>
             </a:r>
             <a:r>
               <a:rPr lang="en-US" sz="3600" dirty="0" err="1" smtClean="0"/>
@@ -38463,16 +35051,11 @@
               <a:rPr lang="en-US" sz="3600" dirty="0" smtClean="0"/>
               <a:t>.</a:t>
             </a:r>
-            <a:endParaRPr lang="en-US" sz="3600" dirty="0" smtClean="0"/>
           </a:p>
           <a:p>
             <a:r>
               <a:rPr lang="en-US" sz="3600" dirty="0" smtClean="0"/>
-              <a:t> </a:t>
-            </a:r>
-            <a:r>
-              <a:rPr lang="en-US" sz="3600" dirty="0" smtClean="0"/>
-              <a:t>Chi </a:t>
+              <a:t> Chi </a:t>
             </a:r>
             <a:r>
               <a:rPr lang="en-US" sz="3600" dirty="0" err="1" smtClean="0"/>
@@ -38584,7 +35167,7 @@
             <a:fld id="{363E45C6-9571-4178-A8DA-81C5BD399E46}" type="datetime1">
               <a:rPr lang="vi-VN" smtClean="0"/>
               <a:pPr/>
-              <a:t>06/03/2013</a:t>
+              <a:t>08/03/2013</a:t>
             </a:fld>
             <a:endParaRPr lang="en-US"/>
           </a:p>
@@ -38751,7 +35334,7 @@
             <a:fld id="{363E45C6-9571-4178-A8DA-81C5BD399E46}" type="datetime1">
               <a:rPr lang="vi-VN" smtClean="0"/>
               <a:pPr/>
-              <a:t>06/03/2013</a:t>
+              <a:t>08/03/2013</a:t>
             </a:fld>
             <a:endParaRPr lang="en-US"/>
           </a:p>
@@ -38970,7 +35553,6 @@
               <a:rPr lang="en-US" dirty="0" smtClean="0"/>
               <a:t>:</a:t>
             </a:r>
-            <a:endParaRPr lang="en-US" dirty="0" smtClean="0"/>
           </a:p>
           <a:p>
             <a:r>
@@ -39124,7 +35706,7 @@
             <a:fld id="{363E45C6-9571-4178-A8DA-81C5BD399E46}" type="datetime1">
               <a:rPr lang="vi-VN" smtClean="0"/>
               <a:pPr/>
-              <a:t>06/03/2013</a:t>
+              <a:t>08/03/2013</a:t>
             </a:fld>
             <a:endParaRPr lang="en-US"/>
           </a:p>
@@ -39453,7 +36035,7 @@
             <a:fld id="{363E45C6-9571-4178-A8DA-81C5BD399E46}" type="datetime1">
               <a:rPr lang="vi-VN" smtClean="0"/>
               <a:pPr/>
-              <a:t>06/03/2013</a:t>
+              <a:t>08/03/2013</a:t>
             </a:fld>
             <a:endParaRPr lang="en-US"/>
           </a:p>
@@ -39604,11 +36186,7 @@
             </a:pPr>
             <a:r>
               <a:rPr lang="en-US" dirty="0" smtClean="0"/>
-              <a:t>	</a:t>
-            </a:r>
-            <a:r>
-              <a:rPr lang="en-US" dirty="0" smtClean="0"/>
-              <a:t>+ </a:t>
+              <a:t>	+ </a:t>
             </a:r>
             <a:r>
               <a:rPr lang="en-US" dirty="0" err="1" smtClean="0"/>
@@ -39646,11 +36224,7 @@
             </a:pPr>
             <a:r>
               <a:rPr lang="en-US" dirty="0" smtClean="0"/>
-              <a:t>	</a:t>
-            </a:r>
-            <a:r>
-              <a:rPr lang="en-US" dirty="0" smtClean="0"/>
-              <a:t>+ </a:t>
+              <a:t>	+ </a:t>
             </a:r>
             <a:r>
               <a:rPr lang="en-US" dirty="0" err="1" smtClean="0"/>
@@ -39875,7 +36449,7 @@
             <a:fld id="{363E45C6-9571-4178-A8DA-81C5BD399E46}" type="datetime1">
               <a:rPr lang="vi-VN" smtClean="0"/>
               <a:pPr/>
-              <a:t>06/03/2013</a:t>
+              <a:t>08/03/2013</a:t>
             </a:fld>
             <a:endParaRPr lang="en-US"/>
           </a:p>
